--- a/Datenschutz_Netzwerksicherheit.pptx
+++ b/Datenschutz_Netzwerksicherheit.pptx
@@ -11,6 +11,8 @@
     <p:sldId id="260" r:id="rId5"/>
     <p:sldId id="261" r:id="rId6"/>
     <p:sldId id="258" r:id="rId7"/>
+    <p:sldId id="262" r:id="rId8"/>
+    <p:sldId id="263" r:id="rId9"/>
   </p:sldIdLst>
   <p:sldSz cx="12192000" cy="6858000"/>
   <p:notesSz cx="6858000" cy="9144000"/>
@@ -109,6 +111,11 @@
       </a:defRPr>
     </a:lvl9pPr>
   </p:defaultTextStyle>
+  <p:extLst>
+    <p:ext uri="{EFAFB233-063F-42B5-8137-9DF3F51BA10A}">
+      <p15:sldGuideLst xmlns:p15="http://schemas.microsoft.com/office/powerpoint/2012/main"/>
+    </p:ext>
+  </p:extLst>
 </p:presentation>
 </file>
 
@@ -3821,12 +3828,17 @@
               <a:buAutoNum type="arabicPeriod"/>
             </a:pPr>
             <a:r>
-              <a:rPr lang="de-DE" sz="1800" dirty="0" err="1"/>
-              <a:t>Normgebungen</a:t>
-            </a:r>
-            <a:r>
               <a:rPr lang="de-DE" sz="1800" dirty="0"/>
-              <a:t> </a:t>
+              <a:t>DSGVO: Zeitplan &amp; Ziele</a:t>
+            </a:r>
+          </a:p>
+          <a:p>
+            <a:pPr marL="457200" indent="-457200">
+              <a:buAutoNum type="arabicPeriod"/>
+            </a:pPr>
+            <a:r>
+              <a:rPr lang="de-DE" sz="2000" dirty="0"/>
+              <a:t>Netzwerksicherheit</a:t>
             </a:r>
           </a:p>
           <a:p>
@@ -3835,16 +3847,7 @@
             </a:pPr>
             <a:r>
               <a:rPr lang="de-DE" sz="1800" dirty="0"/>
-              <a:t>DSGVO</a:t>
-            </a:r>
-          </a:p>
-          <a:p>
-            <a:pPr marL="457200" indent="-457200">
-              <a:buAutoNum type="arabicPeriod"/>
-            </a:pPr>
-            <a:r>
-              <a:rPr lang="de-DE" sz="2000" dirty="0"/>
-              <a:t>Netzwerksicherheit</a:t>
+              <a:t>Was ist Netzwerksicherheit?</a:t>
             </a:r>
           </a:p>
           <a:p>
@@ -3853,7 +3856,7 @@
             </a:pPr>
             <a:r>
               <a:rPr lang="de-DE" sz="1800" dirty="0"/>
-              <a:t>Was ist Netzwerksicherheit?</a:t>
+              <a:t>3 Pfeiler der Netzwerk-Sicherheit</a:t>
             </a:r>
           </a:p>
           <a:p>
@@ -3862,7 +3865,7 @@
             </a:pPr>
             <a:r>
               <a:rPr lang="de-DE" sz="1800" dirty="0"/>
-              <a:t>3 Pfeiler der Netzwerk-Sicherheit</a:t>
+              <a:t>Hauptproblem: der Nutzer</a:t>
             </a:r>
           </a:p>
         </p:txBody>
@@ -4223,7 +4226,7 @@
           <a:p>
             <a:r>
               <a:rPr lang="de-DE" dirty="0"/>
-              <a:t>DSGVO</a:t>
+              <a:t>DSGVO: Zeitplan &amp; Ziele</a:t>
             </a:r>
           </a:p>
         </p:txBody>
@@ -4278,11 +4281,13 @@
           <a:p>
             <a:r>
               <a:rPr lang="de-DE" dirty="0"/>
-              <a:t>Ziele der EU-DSGVO sind der Schutz der Grundrechte und Grundfreiheiten natürlicher </a:t>
-            </a:r>
-            <a:r>
-              <a:rPr lang="de-DE"/>
-              <a:t>Personen </a:t>
+              <a:t>Ziele der EU-DSGVO sind der Schutz der Grundrechte und Grundfreiheiten natürlicher Personen </a:t>
+            </a:r>
+          </a:p>
+          <a:p>
+            <a:r>
+              <a:rPr lang="de-DE" dirty="0"/>
+              <a:t>Ziele sollen durch die in Art. 5 DSGVO festgelegten Grundsätze erreicht werden</a:t>
             </a:r>
           </a:p>
           <a:p>
@@ -4453,6 +4458,259 @@
     <p:extLst>
       <p:ext uri="{BB962C8B-B14F-4D97-AF65-F5344CB8AC3E}">
         <p14:creationId xmlns:p14="http://schemas.microsoft.com/office/powerpoint/2010/main" val="3113607268"/>
+      </p:ext>
+    </p:extLst>
+  </p:cSld>
+  <p:clrMapOvr>
+    <a:masterClrMapping/>
+  </p:clrMapOvr>
+</p:sld>
+</file>
+
+<file path=ppt/slides/slide7.xml><?xml version="1.0" encoding="utf-8"?>
+<p:sld xmlns:a="http://schemas.openxmlformats.org/drawingml/2006/main" xmlns:r="http://schemas.openxmlformats.org/officeDocument/2006/relationships" xmlns:p="http://schemas.openxmlformats.org/presentationml/2006/main">
+  <p:cSld>
+    <p:spTree>
+      <p:nvGrpSpPr>
+        <p:cNvPr id="1" name=""/>
+        <p:cNvGrpSpPr/>
+        <p:nvPr/>
+      </p:nvGrpSpPr>
+      <p:grpSpPr>
+        <a:xfrm>
+          <a:off x="0" y="0"/>
+          <a:ext cx="0" cy="0"/>
+          <a:chOff x="0" y="0"/>
+          <a:chExt cx="0" cy="0"/>
+        </a:xfrm>
+      </p:grpSpPr>
+      <p:sp>
+        <p:nvSpPr>
+          <p:cNvPr id="2" name="Titel 1">
+            <a:extLst>
+              <a:ext uri="{FF2B5EF4-FFF2-40B4-BE49-F238E27FC236}">
+                <a16:creationId xmlns:a16="http://schemas.microsoft.com/office/drawing/2014/main" id="{1A3081F0-95D8-4F5D-8C9A-D32D65B0DE38}"/>
+              </a:ext>
+            </a:extLst>
+          </p:cNvPr>
+          <p:cNvSpPr>
+            <a:spLocks noGrp="1"/>
+          </p:cNvSpPr>
+          <p:nvPr>
+            <p:ph type="title"/>
+          </p:nvPr>
+        </p:nvSpPr>
+        <p:spPr/>
+        <p:txBody>
+          <a:bodyPr/>
+          <a:lstStyle/>
+          <a:p>
+            <a:r>
+              <a:rPr lang="de-DE" dirty="0"/>
+              <a:t>Drei Pfeiler der Netzwerk-Sicherheit</a:t>
+            </a:r>
+          </a:p>
+        </p:txBody>
+      </p:sp>
+      <p:sp>
+        <p:nvSpPr>
+          <p:cNvPr id="3" name="Inhaltsplatzhalter 2">
+            <a:extLst>
+              <a:ext uri="{FF2B5EF4-FFF2-40B4-BE49-F238E27FC236}">
+                <a16:creationId xmlns:a16="http://schemas.microsoft.com/office/drawing/2014/main" id="{F3DF6341-7EEC-42AA-B3FF-6FE88106ED35}"/>
+              </a:ext>
+            </a:extLst>
+          </p:cNvPr>
+          <p:cNvSpPr>
+            <a:spLocks noGrp="1"/>
+          </p:cNvSpPr>
+          <p:nvPr>
+            <p:ph idx="1"/>
+          </p:nvPr>
+        </p:nvSpPr>
+        <p:spPr/>
+        <p:txBody>
+          <a:bodyPr/>
+          <a:lstStyle/>
+          <a:p>
+            <a:pPr marL="0" indent="0" algn="ctr">
+              <a:buNone/>
+            </a:pPr>
+            <a:r>
+              <a:rPr lang="de-DE" dirty="0"/>
+              <a:t>Authentizität // Vertraulichkeit // Integrität</a:t>
+            </a:r>
+          </a:p>
+          <a:p>
+            <a:r>
+              <a:rPr lang="de-DE" dirty="0">
+                <a:solidFill>
+                  <a:srgbClr val="FFFF00"/>
+                </a:solidFill>
+              </a:rPr>
+              <a:t>Authentizität:</a:t>
+            </a:r>
+            <a:r>
+              <a:rPr lang="de-DE" dirty="0"/>
+              <a:t> festzustellen, ob der Kommunikationspartner auch tatsächlich der ist, für den er sich ausgibt</a:t>
+            </a:r>
+          </a:p>
+          <a:p>
+            <a:r>
+              <a:rPr lang="de-DE" dirty="0">
+                <a:solidFill>
+                  <a:srgbClr val="FFFF00"/>
+                </a:solidFill>
+              </a:rPr>
+              <a:t>Vertraulichkeit:</a:t>
+            </a:r>
+            <a:r>
+              <a:rPr lang="de-DE" dirty="0"/>
+              <a:t> einer Kommunikation geht es darum dafür zu sorgen, dass niemand Einblick in die Daten und Kommunikation erhält</a:t>
+            </a:r>
+          </a:p>
+          <a:p>
+            <a:r>
+              <a:rPr lang="de-DE" dirty="0">
+                <a:solidFill>
+                  <a:srgbClr val="FFFF00"/>
+                </a:solidFill>
+              </a:rPr>
+              <a:t>Integrität:</a:t>
+            </a:r>
+            <a:r>
+              <a:rPr lang="de-DE" dirty="0"/>
+              <a:t> zählen Mechanismen und Verfahren, die die Echtheit von Daten prüfen und sicherstellen können und somit auch vor Manipulation schützen.</a:t>
+            </a:r>
+          </a:p>
+        </p:txBody>
+      </p:sp>
+    </p:spTree>
+    <p:extLst>
+      <p:ext uri="{BB962C8B-B14F-4D97-AF65-F5344CB8AC3E}">
+        <p14:creationId xmlns:p14="http://schemas.microsoft.com/office/powerpoint/2010/main" val="2188937826"/>
+      </p:ext>
+    </p:extLst>
+  </p:cSld>
+  <p:clrMapOvr>
+    <a:masterClrMapping/>
+  </p:clrMapOvr>
+</p:sld>
+</file>
+
+<file path=ppt/slides/slide8.xml><?xml version="1.0" encoding="utf-8"?>
+<p:sld xmlns:a="http://schemas.openxmlformats.org/drawingml/2006/main" xmlns:r="http://schemas.openxmlformats.org/officeDocument/2006/relationships" xmlns:p="http://schemas.openxmlformats.org/presentationml/2006/main">
+  <p:cSld>
+    <p:spTree>
+      <p:nvGrpSpPr>
+        <p:cNvPr id="1" name=""/>
+        <p:cNvGrpSpPr/>
+        <p:nvPr/>
+      </p:nvGrpSpPr>
+      <p:grpSpPr>
+        <a:xfrm>
+          <a:off x="0" y="0"/>
+          <a:ext cx="0" cy="0"/>
+          <a:chOff x="0" y="0"/>
+          <a:chExt cx="0" cy="0"/>
+        </a:xfrm>
+      </p:grpSpPr>
+      <p:sp>
+        <p:nvSpPr>
+          <p:cNvPr id="2" name="Titel 1">
+            <a:extLst>
+              <a:ext uri="{FF2B5EF4-FFF2-40B4-BE49-F238E27FC236}">
+                <a16:creationId xmlns:a16="http://schemas.microsoft.com/office/drawing/2014/main" id="{2C6A91E9-F6B8-4747-9197-8B8487E308A3}"/>
+              </a:ext>
+            </a:extLst>
+          </p:cNvPr>
+          <p:cNvSpPr>
+            <a:spLocks noGrp="1"/>
+          </p:cNvSpPr>
+          <p:nvPr>
+            <p:ph type="title"/>
+          </p:nvPr>
+        </p:nvSpPr>
+        <p:spPr/>
+        <p:txBody>
+          <a:bodyPr/>
+          <a:lstStyle/>
+          <a:p>
+            <a:r>
+              <a:rPr lang="de-DE" dirty="0"/>
+              <a:t>Hauptproblem: der Nutzer</a:t>
+            </a:r>
+          </a:p>
+        </p:txBody>
+      </p:sp>
+      <p:sp>
+        <p:nvSpPr>
+          <p:cNvPr id="3" name="Inhaltsplatzhalter 2">
+            <a:extLst>
+              <a:ext uri="{FF2B5EF4-FFF2-40B4-BE49-F238E27FC236}">
+                <a16:creationId xmlns:a16="http://schemas.microsoft.com/office/drawing/2014/main" id="{0DEFA496-031C-42E1-83A5-55DBEEC30F50}"/>
+              </a:ext>
+            </a:extLst>
+          </p:cNvPr>
+          <p:cNvSpPr>
+            <a:spLocks noGrp="1"/>
+          </p:cNvSpPr>
+          <p:nvPr>
+            <p:ph idx="1"/>
+          </p:nvPr>
+        </p:nvSpPr>
+        <p:spPr/>
+        <p:txBody>
+          <a:bodyPr/>
+          <a:lstStyle/>
+          <a:p>
+            <a:r>
+              <a:rPr lang="de-DE" dirty="0"/>
+              <a:t>Nutzer, der die Schadsoftware meist unwissentlich selbst installiert</a:t>
+            </a:r>
+          </a:p>
+          <a:p>
+            <a:r>
+              <a:rPr lang="de-DE" dirty="0"/>
+              <a:t>sehr schwer von einem sehr vorsichtigen Umgang mit fremden Dateien zu überzeugen</a:t>
+            </a:r>
+          </a:p>
+          <a:p>
+            <a:r>
+              <a:rPr lang="de-DE" dirty="0"/>
+              <a:t>Sicherheitsgewinn durch einen Virenscanner höher</a:t>
+            </a:r>
+          </a:p>
+          <a:p>
+            <a:pPr lvl="1"/>
+            <a:r>
+              <a:rPr lang="de-DE" dirty="0">
+                <a:solidFill>
+                  <a:schemeClr val="accent1">
+                    <a:lumMod val="60000"/>
+                    <a:lumOff val="40000"/>
+                  </a:schemeClr>
+                </a:solidFill>
+              </a:rPr>
+              <a:t>!ABER!</a:t>
+            </a:r>
+            <a:r>
+              <a:rPr lang="de-DE" dirty="0"/>
+              <a:t> Virenscanner kommt meist verspätet zum Einsatz!</a:t>
+            </a:r>
+          </a:p>
+          <a:p>
+            <a:r>
+              <a:rPr lang="de-DE" dirty="0"/>
+              <a:t>Virenscanner kann im Zweifelsfall den Virenbefall nicht verhindern</a:t>
+            </a:r>
+          </a:p>
+        </p:txBody>
+      </p:sp>
+    </p:spTree>
+    <p:extLst>
+      <p:ext uri="{BB962C8B-B14F-4D97-AF65-F5344CB8AC3E}">
+        <p14:creationId xmlns:p14="http://schemas.microsoft.com/office/powerpoint/2010/main" val="2968789643"/>
       </p:ext>
     </p:extLst>
   </p:cSld>

--- a/Datenschutz_Netzwerksicherheit.pptx
+++ b/Datenschutz_Netzwerksicherheit.pptx
@@ -1,18 +1,28 @@
 
 <file path=ppt/presentation.xml><?xml version="1.0" encoding="utf-8"?>
-<p:presentation xmlns:a="http://schemas.openxmlformats.org/drawingml/2006/main" xmlns:r="http://schemas.openxmlformats.org/officeDocument/2006/relationships" xmlns:p="http://schemas.openxmlformats.org/presentationml/2006/main" saveSubsetFonts="1">
+<p:presentation xmlns:a="http://schemas.openxmlformats.org/drawingml/2006/main" xmlns:r="http://schemas.openxmlformats.org/officeDocument/2006/relationships" xmlns:p="http://schemas.openxmlformats.org/presentationml/2006/main" showSpecialPlsOnTitleSld="0" saveSubsetFonts="1">
   <p:sldMasterIdLst>
     <p:sldMasterId id="2147483750" r:id="rId1"/>
   </p:sldMasterIdLst>
+  <p:notesMasterIdLst>
+    <p:notesMasterId r:id="rId17"/>
+  </p:notesMasterIdLst>
   <p:sldIdLst>
     <p:sldId id="256" r:id="rId2"/>
     <p:sldId id="259" r:id="rId3"/>
-    <p:sldId id="257" r:id="rId4"/>
-    <p:sldId id="260" r:id="rId5"/>
-    <p:sldId id="261" r:id="rId6"/>
-    <p:sldId id="258" r:id="rId7"/>
-    <p:sldId id="262" r:id="rId8"/>
-    <p:sldId id="263" r:id="rId9"/>
+    <p:sldId id="265" r:id="rId4"/>
+    <p:sldId id="257" r:id="rId5"/>
+    <p:sldId id="260" r:id="rId6"/>
+    <p:sldId id="261" r:id="rId7"/>
+    <p:sldId id="266" r:id="rId8"/>
+    <p:sldId id="258" r:id="rId9"/>
+    <p:sldId id="262" r:id="rId10"/>
+    <p:sldId id="269" r:id="rId11"/>
+    <p:sldId id="263" r:id="rId12"/>
+    <p:sldId id="264" r:id="rId13"/>
+    <p:sldId id="267" r:id="rId14"/>
+    <p:sldId id="268" r:id="rId15"/>
+    <p:sldId id="270" r:id="rId16"/>
   </p:sldIdLst>
   <p:sldSz cx="12192000" cy="6858000"/>
   <p:notesSz cx="6858000" cy="9144000"/>
@@ -119,6 +129,607 @@
 </p:presentation>
 </file>
 
+<file path=ppt/notesMasters/notesMaster1.xml><?xml version="1.0" encoding="utf-8"?>
+<p:notesMaster xmlns:a="http://schemas.openxmlformats.org/drawingml/2006/main" xmlns:r="http://schemas.openxmlformats.org/officeDocument/2006/relationships" xmlns:p="http://schemas.openxmlformats.org/presentationml/2006/main">
+  <p:cSld>
+    <p:bg>
+      <p:bgRef idx="1001">
+        <a:schemeClr val="bg1"/>
+      </p:bgRef>
+    </p:bg>
+    <p:spTree>
+      <p:nvGrpSpPr>
+        <p:cNvPr id="1" name=""/>
+        <p:cNvGrpSpPr/>
+        <p:nvPr/>
+      </p:nvGrpSpPr>
+      <p:grpSpPr>
+        <a:xfrm>
+          <a:off x="0" y="0"/>
+          <a:ext cx="0" cy="0"/>
+          <a:chOff x="0" y="0"/>
+          <a:chExt cx="0" cy="0"/>
+        </a:xfrm>
+      </p:grpSpPr>
+      <p:sp>
+        <p:nvSpPr>
+          <p:cNvPr id="2" name="Kopfzeilenplatzhalter 1"/>
+          <p:cNvSpPr>
+            <a:spLocks noGrp="1"/>
+          </p:cNvSpPr>
+          <p:nvPr>
+            <p:ph type="hdr" sz="quarter"/>
+          </p:nvPr>
+        </p:nvSpPr>
+        <p:spPr>
+          <a:xfrm>
+            <a:off x="0" y="0"/>
+            <a:ext cx="2971800" cy="458788"/>
+          </a:xfrm>
+          <a:prstGeom prst="rect">
+            <a:avLst/>
+          </a:prstGeom>
+        </p:spPr>
+        <p:txBody>
+          <a:bodyPr vert="horz" lIns="91440" tIns="45720" rIns="91440" bIns="45720" rtlCol="0"/>
+          <a:lstStyle>
+            <a:lvl1pPr algn="l">
+              <a:defRPr sz="1200"/>
+            </a:lvl1pPr>
+          </a:lstStyle>
+          <a:p>
+            <a:endParaRPr lang="de-DE"/>
+          </a:p>
+        </p:txBody>
+      </p:sp>
+      <p:sp>
+        <p:nvSpPr>
+          <p:cNvPr id="3" name="Datumsplatzhalter 2"/>
+          <p:cNvSpPr>
+            <a:spLocks noGrp="1"/>
+          </p:cNvSpPr>
+          <p:nvPr>
+            <p:ph type="dt" idx="1"/>
+          </p:nvPr>
+        </p:nvSpPr>
+        <p:spPr>
+          <a:xfrm>
+            <a:off x="3884613" y="0"/>
+            <a:ext cx="2971800" cy="458788"/>
+          </a:xfrm>
+          <a:prstGeom prst="rect">
+            <a:avLst/>
+          </a:prstGeom>
+        </p:spPr>
+        <p:txBody>
+          <a:bodyPr vert="horz" lIns="91440" tIns="45720" rIns="91440" bIns="45720" rtlCol="0"/>
+          <a:lstStyle>
+            <a:lvl1pPr algn="r">
+              <a:defRPr sz="1200"/>
+            </a:lvl1pPr>
+          </a:lstStyle>
+          <a:p>
+            <a:fld id="{53DFD0AA-A6B5-4C1E-B250-ADB3FDC6F813}" type="datetimeFigureOut">
+              <a:rPr lang="de-DE" smtClean="0"/>
+              <a:t>07.12.2020</a:t>
+            </a:fld>
+            <a:endParaRPr lang="de-DE"/>
+          </a:p>
+        </p:txBody>
+      </p:sp>
+      <p:sp>
+        <p:nvSpPr>
+          <p:cNvPr id="4" name="Folienbildplatzhalter 3"/>
+          <p:cNvSpPr>
+            <a:spLocks noGrp="1" noRot="1" noChangeAspect="1"/>
+          </p:cNvSpPr>
+          <p:nvPr>
+            <p:ph type="sldImg" idx="2"/>
+          </p:nvPr>
+        </p:nvSpPr>
+        <p:spPr>
+          <a:xfrm>
+            <a:off x="685800" y="1143000"/>
+            <a:ext cx="5486400" cy="3086100"/>
+          </a:xfrm>
+          <a:prstGeom prst="rect">
+            <a:avLst/>
+          </a:prstGeom>
+          <a:noFill/>
+          <a:ln w="12700">
+            <a:solidFill>
+              <a:prstClr val="black"/>
+            </a:solidFill>
+          </a:ln>
+        </p:spPr>
+        <p:txBody>
+          <a:bodyPr vert="horz" lIns="91440" tIns="45720" rIns="91440" bIns="45720" rtlCol="0" anchor="ctr"/>
+          <a:lstStyle/>
+          <a:p>
+            <a:endParaRPr lang="de-DE"/>
+          </a:p>
+        </p:txBody>
+      </p:sp>
+      <p:sp>
+        <p:nvSpPr>
+          <p:cNvPr id="5" name="Notizenplatzhalter 4"/>
+          <p:cNvSpPr>
+            <a:spLocks noGrp="1"/>
+          </p:cNvSpPr>
+          <p:nvPr>
+            <p:ph type="body" sz="quarter" idx="3"/>
+          </p:nvPr>
+        </p:nvSpPr>
+        <p:spPr>
+          <a:xfrm>
+            <a:off x="685800" y="4400550"/>
+            <a:ext cx="5486400" cy="3600450"/>
+          </a:xfrm>
+          <a:prstGeom prst="rect">
+            <a:avLst/>
+          </a:prstGeom>
+        </p:spPr>
+        <p:txBody>
+          <a:bodyPr vert="horz" lIns="91440" tIns="45720" rIns="91440" bIns="45720" rtlCol="0"/>
+          <a:lstStyle/>
+          <a:p>
+            <a:pPr lvl="0"/>
+            <a:r>
+              <a:rPr lang="de-DE"/>
+              <a:t>Mastertextformat bearbeiten</a:t>
+            </a:r>
+          </a:p>
+          <a:p>
+            <a:pPr lvl="1"/>
+            <a:r>
+              <a:rPr lang="de-DE"/>
+              <a:t>Zweite Ebene</a:t>
+            </a:r>
+          </a:p>
+          <a:p>
+            <a:pPr lvl="2"/>
+            <a:r>
+              <a:rPr lang="de-DE"/>
+              <a:t>Dritte Ebene</a:t>
+            </a:r>
+          </a:p>
+          <a:p>
+            <a:pPr lvl="3"/>
+            <a:r>
+              <a:rPr lang="de-DE"/>
+              <a:t>Vierte Ebene</a:t>
+            </a:r>
+          </a:p>
+          <a:p>
+            <a:pPr lvl="4"/>
+            <a:r>
+              <a:rPr lang="de-DE"/>
+              <a:t>Fünfte Ebene</a:t>
+            </a:r>
+          </a:p>
+        </p:txBody>
+      </p:sp>
+      <p:sp>
+        <p:nvSpPr>
+          <p:cNvPr id="6" name="Fußzeilenplatzhalter 5"/>
+          <p:cNvSpPr>
+            <a:spLocks noGrp="1"/>
+          </p:cNvSpPr>
+          <p:nvPr>
+            <p:ph type="ftr" sz="quarter" idx="4"/>
+          </p:nvPr>
+        </p:nvSpPr>
+        <p:spPr>
+          <a:xfrm>
+            <a:off x="0" y="8685213"/>
+            <a:ext cx="2971800" cy="458787"/>
+          </a:xfrm>
+          <a:prstGeom prst="rect">
+            <a:avLst/>
+          </a:prstGeom>
+        </p:spPr>
+        <p:txBody>
+          <a:bodyPr vert="horz" lIns="91440" tIns="45720" rIns="91440" bIns="45720" rtlCol="0" anchor="b"/>
+          <a:lstStyle>
+            <a:lvl1pPr algn="l">
+              <a:defRPr sz="1200"/>
+            </a:lvl1pPr>
+          </a:lstStyle>
+          <a:p>
+            <a:endParaRPr lang="de-DE"/>
+          </a:p>
+        </p:txBody>
+      </p:sp>
+      <p:sp>
+        <p:nvSpPr>
+          <p:cNvPr id="7" name="Foliennummernplatzhalter 6"/>
+          <p:cNvSpPr>
+            <a:spLocks noGrp="1"/>
+          </p:cNvSpPr>
+          <p:nvPr>
+            <p:ph type="sldNum" sz="quarter" idx="5"/>
+          </p:nvPr>
+        </p:nvSpPr>
+        <p:spPr>
+          <a:xfrm>
+            <a:off x="3884613" y="8685213"/>
+            <a:ext cx="2971800" cy="458787"/>
+          </a:xfrm>
+          <a:prstGeom prst="rect">
+            <a:avLst/>
+          </a:prstGeom>
+        </p:spPr>
+        <p:txBody>
+          <a:bodyPr vert="horz" lIns="91440" tIns="45720" rIns="91440" bIns="45720" rtlCol="0" anchor="b"/>
+          <a:lstStyle>
+            <a:lvl1pPr algn="r">
+              <a:defRPr sz="1200"/>
+            </a:lvl1pPr>
+          </a:lstStyle>
+          <a:p>
+            <a:fld id="{65BF7294-FA9F-4127-A2DE-0F3C086D10E7}" type="slidenum">
+              <a:rPr lang="de-DE" smtClean="0"/>
+              <a:t>‹Nr.›</a:t>
+            </a:fld>
+            <a:endParaRPr lang="de-DE"/>
+          </a:p>
+        </p:txBody>
+      </p:sp>
+    </p:spTree>
+    <p:extLst>
+      <p:ext uri="{BB962C8B-B14F-4D97-AF65-F5344CB8AC3E}">
+        <p14:creationId xmlns:p14="http://schemas.microsoft.com/office/powerpoint/2010/main" val="2705822550"/>
+      </p:ext>
+    </p:extLst>
+  </p:cSld>
+  <p:clrMap bg1="lt1" tx1="dk1" bg2="lt2" tx2="dk2" accent1="accent1" accent2="accent2" accent3="accent3" accent4="accent4" accent5="accent5" accent6="accent6" hlink="hlink" folHlink="folHlink"/>
+  <p:notesStyle>
+    <a:lvl1pPr marL="0" algn="l" defTabSz="914400" rtl="0" eaLnBrk="1" latinLnBrk="0" hangingPunct="1">
+      <a:defRPr sz="1200" kern="1200">
+        <a:solidFill>
+          <a:schemeClr val="tx1"/>
+        </a:solidFill>
+        <a:latin typeface="+mn-lt"/>
+        <a:ea typeface="+mn-ea"/>
+        <a:cs typeface="+mn-cs"/>
+      </a:defRPr>
+    </a:lvl1pPr>
+    <a:lvl2pPr marL="457200" algn="l" defTabSz="914400" rtl="0" eaLnBrk="1" latinLnBrk="0" hangingPunct="1">
+      <a:defRPr sz="1200" kern="1200">
+        <a:solidFill>
+          <a:schemeClr val="tx1"/>
+        </a:solidFill>
+        <a:latin typeface="+mn-lt"/>
+        <a:ea typeface="+mn-ea"/>
+        <a:cs typeface="+mn-cs"/>
+      </a:defRPr>
+    </a:lvl2pPr>
+    <a:lvl3pPr marL="914400" algn="l" defTabSz="914400" rtl="0" eaLnBrk="1" latinLnBrk="0" hangingPunct="1">
+      <a:defRPr sz="1200" kern="1200">
+        <a:solidFill>
+          <a:schemeClr val="tx1"/>
+        </a:solidFill>
+        <a:latin typeface="+mn-lt"/>
+        <a:ea typeface="+mn-ea"/>
+        <a:cs typeface="+mn-cs"/>
+      </a:defRPr>
+    </a:lvl3pPr>
+    <a:lvl4pPr marL="1371600" algn="l" defTabSz="914400" rtl="0" eaLnBrk="1" latinLnBrk="0" hangingPunct="1">
+      <a:defRPr sz="1200" kern="1200">
+        <a:solidFill>
+          <a:schemeClr val="tx1"/>
+        </a:solidFill>
+        <a:latin typeface="+mn-lt"/>
+        <a:ea typeface="+mn-ea"/>
+        <a:cs typeface="+mn-cs"/>
+      </a:defRPr>
+    </a:lvl4pPr>
+    <a:lvl5pPr marL="1828800" algn="l" defTabSz="914400" rtl="0" eaLnBrk="1" latinLnBrk="0" hangingPunct="1">
+      <a:defRPr sz="1200" kern="1200">
+        <a:solidFill>
+          <a:schemeClr val="tx1"/>
+        </a:solidFill>
+        <a:latin typeface="+mn-lt"/>
+        <a:ea typeface="+mn-ea"/>
+        <a:cs typeface="+mn-cs"/>
+      </a:defRPr>
+    </a:lvl5pPr>
+    <a:lvl6pPr marL="2286000" algn="l" defTabSz="914400" rtl="0" eaLnBrk="1" latinLnBrk="0" hangingPunct="1">
+      <a:defRPr sz="1200" kern="1200">
+        <a:solidFill>
+          <a:schemeClr val="tx1"/>
+        </a:solidFill>
+        <a:latin typeface="+mn-lt"/>
+        <a:ea typeface="+mn-ea"/>
+        <a:cs typeface="+mn-cs"/>
+      </a:defRPr>
+    </a:lvl6pPr>
+    <a:lvl7pPr marL="2743200" algn="l" defTabSz="914400" rtl="0" eaLnBrk="1" latinLnBrk="0" hangingPunct="1">
+      <a:defRPr sz="1200" kern="1200">
+        <a:solidFill>
+          <a:schemeClr val="tx1"/>
+        </a:solidFill>
+        <a:latin typeface="+mn-lt"/>
+        <a:ea typeface="+mn-ea"/>
+        <a:cs typeface="+mn-cs"/>
+      </a:defRPr>
+    </a:lvl7pPr>
+    <a:lvl8pPr marL="3200400" algn="l" defTabSz="914400" rtl="0" eaLnBrk="1" latinLnBrk="0" hangingPunct="1">
+      <a:defRPr sz="1200" kern="1200">
+        <a:solidFill>
+          <a:schemeClr val="tx1"/>
+        </a:solidFill>
+        <a:latin typeface="+mn-lt"/>
+        <a:ea typeface="+mn-ea"/>
+        <a:cs typeface="+mn-cs"/>
+      </a:defRPr>
+    </a:lvl8pPr>
+    <a:lvl9pPr marL="3657600" algn="l" defTabSz="914400" rtl="0" eaLnBrk="1" latinLnBrk="0" hangingPunct="1">
+      <a:defRPr sz="1200" kern="1200">
+        <a:solidFill>
+          <a:schemeClr val="tx1"/>
+        </a:solidFill>
+        <a:latin typeface="+mn-lt"/>
+        <a:ea typeface="+mn-ea"/>
+        <a:cs typeface="+mn-cs"/>
+      </a:defRPr>
+    </a:lvl9pPr>
+  </p:notesStyle>
+</p:notesMaster>
+</file>
+
+<file path=ppt/notesSlides/notesSlide1.xml><?xml version="1.0" encoding="utf-8"?>
+<p:notes xmlns:a="http://schemas.openxmlformats.org/drawingml/2006/main" xmlns:r="http://schemas.openxmlformats.org/officeDocument/2006/relationships" xmlns:p="http://schemas.openxmlformats.org/presentationml/2006/main">
+  <p:cSld>
+    <p:spTree>
+      <p:nvGrpSpPr>
+        <p:cNvPr id="1" name=""/>
+        <p:cNvGrpSpPr/>
+        <p:nvPr/>
+      </p:nvGrpSpPr>
+      <p:grpSpPr>
+        <a:xfrm>
+          <a:off x="0" y="0"/>
+          <a:ext cx="0" cy="0"/>
+          <a:chOff x="0" y="0"/>
+          <a:chExt cx="0" cy="0"/>
+        </a:xfrm>
+      </p:grpSpPr>
+      <p:sp>
+        <p:nvSpPr>
+          <p:cNvPr id="2" name="Folienbildplatzhalter 1"/>
+          <p:cNvSpPr>
+            <a:spLocks noGrp="1" noRot="1" noChangeAspect="1"/>
+          </p:cNvSpPr>
+          <p:nvPr>
+            <p:ph type="sldImg"/>
+          </p:nvPr>
+        </p:nvSpPr>
+        <p:spPr/>
+      </p:sp>
+      <p:sp>
+        <p:nvSpPr>
+          <p:cNvPr id="3" name="Notizenplatzhalter 2"/>
+          <p:cNvSpPr>
+            <a:spLocks noGrp="1"/>
+          </p:cNvSpPr>
+          <p:nvPr>
+            <p:ph type="body" idx="1"/>
+          </p:nvPr>
+        </p:nvSpPr>
+        <p:spPr/>
+        <p:txBody>
+          <a:bodyPr/>
+          <a:lstStyle/>
+          <a:p>
+            <a:endParaRPr lang="de-DE" dirty="0"/>
+          </a:p>
+        </p:txBody>
+      </p:sp>
+      <p:sp>
+        <p:nvSpPr>
+          <p:cNvPr id="4" name="Foliennummernplatzhalter 3"/>
+          <p:cNvSpPr>
+            <a:spLocks noGrp="1"/>
+          </p:cNvSpPr>
+          <p:nvPr>
+            <p:ph type="sldNum" sz="quarter" idx="5"/>
+          </p:nvPr>
+        </p:nvSpPr>
+        <p:spPr/>
+        <p:txBody>
+          <a:bodyPr/>
+          <a:lstStyle/>
+          <a:p>
+            <a:fld id="{65BF7294-FA9F-4127-A2DE-0F3C086D10E7}" type="slidenum">
+              <a:rPr lang="de-DE" smtClean="0"/>
+              <a:t>4</a:t>
+            </a:fld>
+            <a:endParaRPr lang="de-DE"/>
+          </a:p>
+        </p:txBody>
+      </p:sp>
+    </p:spTree>
+    <p:extLst>
+      <p:ext uri="{BB962C8B-B14F-4D97-AF65-F5344CB8AC3E}">
+        <p14:creationId xmlns:p14="http://schemas.microsoft.com/office/powerpoint/2010/main" val="2917533635"/>
+      </p:ext>
+    </p:extLst>
+  </p:cSld>
+  <p:clrMapOvr>
+    <a:masterClrMapping/>
+  </p:clrMapOvr>
+</p:notes>
+</file>
+
+<file path=ppt/notesSlides/notesSlide2.xml><?xml version="1.0" encoding="utf-8"?>
+<p:notes xmlns:a="http://schemas.openxmlformats.org/drawingml/2006/main" xmlns:r="http://schemas.openxmlformats.org/officeDocument/2006/relationships" xmlns:p="http://schemas.openxmlformats.org/presentationml/2006/main">
+  <p:cSld>
+    <p:spTree>
+      <p:nvGrpSpPr>
+        <p:cNvPr id="1" name=""/>
+        <p:cNvGrpSpPr/>
+        <p:nvPr/>
+      </p:nvGrpSpPr>
+      <p:grpSpPr>
+        <a:xfrm>
+          <a:off x="0" y="0"/>
+          <a:ext cx="0" cy="0"/>
+          <a:chOff x="0" y="0"/>
+          <a:chExt cx="0" cy="0"/>
+        </a:xfrm>
+      </p:grpSpPr>
+      <p:sp>
+        <p:nvSpPr>
+          <p:cNvPr id="2" name="Folienbildplatzhalter 1"/>
+          <p:cNvSpPr>
+            <a:spLocks noGrp="1" noRot="1" noChangeAspect="1"/>
+          </p:cNvSpPr>
+          <p:nvPr>
+            <p:ph type="sldImg"/>
+          </p:nvPr>
+        </p:nvSpPr>
+        <p:spPr/>
+      </p:sp>
+      <p:sp>
+        <p:nvSpPr>
+          <p:cNvPr id="3" name="Notizenplatzhalter 2"/>
+          <p:cNvSpPr>
+            <a:spLocks noGrp="1"/>
+          </p:cNvSpPr>
+          <p:nvPr>
+            <p:ph type="body" idx="1"/>
+          </p:nvPr>
+        </p:nvSpPr>
+        <p:spPr/>
+        <p:txBody>
+          <a:bodyPr/>
+          <a:lstStyle/>
+          <a:p>
+            <a:endParaRPr lang="de-DE" dirty="0"/>
+          </a:p>
+        </p:txBody>
+      </p:sp>
+      <p:sp>
+        <p:nvSpPr>
+          <p:cNvPr id="4" name="Foliennummernplatzhalter 3"/>
+          <p:cNvSpPr>
+            <a:spLocks noGrp="1"/>
+          </p:cNvSpPr>
+          <p:nvPr>
+            <p:ph type="sldNum" sz="quarter" idx="5"/>
+          </p:nvPr>
+        </p:nvSpPr>
+        <p:spPr/>
+        <p:txBody>
+          <a:bodyPr/>
+          <a:lstStyle/>
+          <a:p>
+            <a:fld id="{65BF7294-FA9F-4127-A2DE-0F3C086D10E7}" type="slidenum">
+              <a:rPr lang="de-DE" smtClean="0"/>
+              <a:t>10</a:t>
+            </a:fld>
+            <a:endParaRPr lang="de-DE"/>
+          </a:p>
+        </p:txBody>
+      </p:sp>
+    </p:spTree>
+    <p:extLst>
+      <p:ext uri="{BB962C8B-B14F-4D97-AF65-F5344CB8AC3E}">
+        <p14:creationId xmlns:p14="http://schemas.microsoft.com/office/powerpoint/2010/main" val="1901938964"/>
+      </p:ext>
+    </p:extLst>
+  </p:cSld>
+  <p:clrMapOvr>
+    <a:masterClrMapping/>
+  </p:clrMapOvr>
+</p:notes>
+</file>
+
+<file path=ppt/notesSlides/notesSlide3.xml><?xml version="1.0" encoding="utf-8"?>
+<p:notes xmlns:a="http://schemas.openxmlformats.org/drawingml/2006/main" xmlns:r="http://schemas.openxmlformats.org/officeDocument/2006/relationships" xmlns:p="http://schemas.openxmlformats.org/presentationml/2006/main">
+  <p:cSld>
+    <p:spTree>
+      <p:nvGrpSpPr>
+        <p:cNvPr id="1" name=""/>
+        <p:cNvGrpSpPr/>
+        <p:nvPr/>
+      </p:nvGrpSpPr>
+      <p:grpSpPr>
+        <a:xfrm>
+          <a:off x="0" y="0"/>
+          <a:ext cx="0" cy="0"/>
+          <a:chOff x="0" y="0"/>
+          <a:chExt cx="0" cy="0"/>
+        </a:xfrm>
+      </p:grpSpPr>
+      <p:sp>
+        <p:nvSpPr>
+          <p:cNvPr id="2" name="Folienbildplatzhalter 1"/>
+          <p:cNvSpPr>
+            <a:spLocks noGrp="1" noRot="1" noChangeAspect="1"/>
+          </p:cNvSpPr>
+          <p:nvPr>
+            <p:ph type="sldImg"/>
+          </p:nvPr>
+        </p:nvSpPr>
+        <p:spPr/>
+      </p:sp>
+      <p:sp>
+        <p:nvSpPr>
+          <p:cNvPr id="3" name="Notizenplatzhalter 2"/>
+          <p:cNvSpPr>
+            <a:spLocks noGrp="1"/>
+          </p:cNvSpPr>
+          <p:nvPr>
+            <p:ph type="body" idx="1"/>
+          </p:nvPr>
+        </p:nvSpPr>
+        <p:spPr/>
+        <p:txBody>
+          <a:bodyPr/>
+          <a:lstStyle/>
+          <a:p>
+            <a:endParaRPr lang="de-DE" dirty="0"/>
+          </a:p>
+        </p:txBody>
+      </p:sp>
+      <p:sp>
+        <p:nvSpPr>
+          <p:cNvPr id="4" name="Foliennummernplatzhalter 3"/>
+          <p:cNvSpPr>
+            <a:spLocks noGrp="1"/>
+          </p:cNvSpPr>
+          <p:nvPr>
+            <p:ph type="sldNum" sz="quarter" idx="5"/>
+          </p:nvPr>
+        </p:nvSpPr>
+        <p:spPr/>
+        <p:txBody>
+          <a:bodyPr/>
+          <a:lstStyle/>
+          <a:p>
+            <a:fld id="{65BF7294-FA9F-4127-A2DE-0F3C086D10E7}" type="slidenum">
+              <a:rPr lang="de-DE" smtClean="0"/>
+              <a:t>14</a:t>
+            </a:fld>
+            <a:endParaRPr lang="de-DE"/>
+          </a:p>
+        </p:txBody>
+      </p:sp>
+    </p:spTree>
+    <p:extLst>
+      <p:ext uri="{BB962C8B-B14F-4D97-AF65-F5344CB8AC3E}">
+        <p14:creationId xmlns:p14="http://schemas.microsoft.com/office/powerpoint/2010/main" val="2722154780"/>
+      </p:ext>
+    </p:extLst>
+  </p:cSld>
+  <p:clrMapOvr>
+    <a:masterClrMapping/>
+  </p:clrMapOvr>
+</p:notes>
+</file>
+
 <file path=ppt/slideLayouts/slideLayout1.xml><?xml version="1.0" encoding="utf-8"?>
 <p:sldLayout xmlns:a="http://schemas.openxmlformats.org/drawingml/2006/main" xmlns:r="http://schemas.openxmlformats.org/officeDocument/2006/relationships" xmlns:p="http://schemas.openxmlformats.org/presentationml/2006/main" showMasterSp="0" type="title" preserve="1">
   <p:cSld name="Titelfolie">
@@ -298,7 +909,7 @@
           <a:bodyPr/>
           <a:lstStyle/>
           <a:p>
-            <a:fld id="{F2713E71-F4D1-4C41-A375-CB39E182F4F3}" type="datetimeFigureOut">
+            <a:fld id="{0AC170D1-EEDB-462F-BEF4-32FE44CE00CB}" type="datetime1">
               <a:rPr lang="de-DE" smtClean="0"/>
               <a:t>07.12.2020</a:t>
             </a:fld>
@@ -321,7 +932,10 @@
           <a:bodyPr/>
           <a:lstStyle/>
           <a:p>
-            <a:endParaRPr lang="de-DE"/>
+            <a:r>
+              <a:rPr lang="de-DE"/>
+              <a:t>Quelle: </a:t>
+            </a:r>
           </a:p>
         </p:txBody>
       </p:sp>
@@ -468,7 +1082,7 @@
           <a:bodyPr/>
           <a:lstStyle/>
           <a:p>
-            <a:fld id="{F2713E71-F4D1-4C41-A375-CB39E182F4F3}" type="datetimeFigureOut">
+            <a:fld id="{C043991F-7222-461D-8705-5E684042DE77}" type="datetime1">
               <a:rPr lang="de-DE" smtClean="0"/>
               <a:t>07.12.2020</a:t>
             </a:fld>
@@ -491,7 +1105,10 @@
           <a:bodyPr/>
           <a:lstStyle/>
           <a:p>
-            <a:endParaRPr lang="de-DE"/>
+            <a:r>
+              <a:rPr lang="de-DE"/>
+              <a:t>Quelle: </a:t>
+            </a:r>
           </a:p>
         </p:txBody>
       </p:sp>
@@ -691,7 +1308,7 @@
           <a:bodyPr/>
           <a:lstStyle/>
           <a:p>
-            <a:fld id="{F2713E71-F4D1-4C41-A375-CB39E182F4F3}" type="datetimeFigureOut">
+            <a:fld id="{DE02B6F7-D8E2-447A-BD4D-7BAA976884E3}" type="datetime1">
               <a:rPr lang="de-DE" smtClean="0"/>
               <a:t>07.12.2020</a:t>
             </a:fld>
@@ -719,7 +1336,10 @@
           <a:bodyPr/>
           <a:lstStyle/>
           <a:p>
-            <a:endParaRPr lang="de-DE"/>
+            <a:r>
+              <a:rPr lang="de-DE"/>
+              <a:t>Quelle: </a:t>
+            </a:r>
           </a:p>
         </p:txBody>
       </p:sp>
@@ -871,7 +1491,7 @@
           <a:bodyPr/>
           <a:lstStyle/>
           <a:p>
-            <a:fld id="{F2713E71-F4D1-4C41-A375-CB39E182F4F3}" type="datetimeFigureOut">
+            <a:fld id="{A89722CC-D3C7-4805-AFE2-7CFE2C6AE15A}" type="datetime1">
               <a:rPr lang="de-DE" smtClean="0"/>
               <a:t>07.12.2020</a:t>
             </a:fld>
@@ -894,7 +1514,10 @@
           <a:bodyPr/>
           <a:lstStyle/>
           <a:p>
-            <a:endParaRPr lang="de-DE"/>
+            <a:r>
+              <a:rPr lang="de-DE"/>
+              <a:t>Quelle: </a:t>
+            </a:r>
           </a:p>
         </p:txBody>
       </p:sp>
@@ -1177,7 +1800,7 @@
             </a:lvl1pPr>
           </a:lstStyle>
           <a:p>
-            <a:fld id="{F2713E71-F4D1-4C41-A375-CB39E182F4F3}" type="datetimeFigureOut">
+            <a:fld id="{6417A4C9-CAE9-49C2-9C30-B29457B63098}" type="datetime1">
               <a:rPr lang="de-DE" smtClean="0"/>
               <a:t>07.12.2020</a:t>
             </a:fld>
@@ -1208,7 +1831,10 @@
             </a:lvl1pPr>
           </a:lstStyle>
           <a:p>
-            <a:endParaRPr lang="de-DE"/>
+            <a:r>
+              <a:rPr lang="de-DE"/>
+              <a:t>Quelle: </a:t>
+            </a:r>
           </a:p>
         </p:txBody>
       </p:sp>
@@ -1481,7 +2107,7 @@
           <a:bodyPr/>
           <a:lstStyle/>
           <a:p>
-            <a:fld id="{F2713E71-F4D1-4C41-A375-CB39E182F4F3}" type="datetimeFigureOut">
+            <a:fld id="{45B7AAB2-9DBF-4B7D-B525-172A1B4723D7}" type="datetime1">
               <a:rPr lang="de-DE" smtClean="0"/>
               <a:t>07.12.2020</a:t>
             </a:fld>
@@ -1504,7 +2130,10 @@
           <a:bodyPr/>
           <a:lstStyle/>
           <a:p>
-            <a:endParaRPr lang="de-DE"/>
+            <a:r>
+              <a:rPr lang="de-DE"/>
+              <a:t>Quelle: </a:t>
+            </a:r>
           </a:p>
         </p:txBody>
       </p:sp>
@@ -1903,7 +2532,7 @@
           <a:bodyPr/>
           <a:lstStyle/>
           <a:p>
-            <a:fld id="{F2713E71-F4D1-4C41-A375-CB39E182F4F3}" type="datetimeFigureOut">
+            <a:fld id="{79D3A2DD-60F9-4D11-AA3B-27E95C31C303}" type="datetime1">
               <a:rPr lang="de-DE" smtClean="0"/>
               <a:t>07.12.2020</a:t>
             </a:fld>
@@ -1926,7 +2555,10 @@
           <a:bodyPr/>
           <a:lstStyle/>
           <a:p>
-            <a:endParaRPr lang="de-DE"/>
+            <a:r>
+              <a:rPr lang="de-DE"/>
+              <a:t>Quelle: </a:t>
+            </a:r>
           </a:p>
         </p:txBody>
       </p:sp>
@@ -2021,7 +2653,7 @@
           <a:bodyPr/>
           <a:lstStyle/>
           <a:p>
-            <a:fld id="{F2713E71-F4D1-4C41-A375-CB39E182F4F3}" type="datetimeFigureOut">
+            <a:fld id="{C2E4148E-0989-428A-B893-80E7DE8254DD}" type="datetime1">
               <a:rPr lang="de-DE" smtClean="0"/>
               <a:t>07.12.2020</a:t>
             </a:fld>
@@ -2044,7 +2676,10 @@
           <a:bodyPr/>
           <a:lstStyle/>
           <a:p>
-            <a:endParaRPr lang="de-DE"/>
+            <a:r>
+              <a:rPr lang="de-DE"/>
+              <a:t>Quelle: </a:t>
+            </a:r>
           </a:p>
         </p:txBody>
       </p:sp>
@@ -2116,7 +2751,7 @@
           <a:bodyPr/>
           <a:lstStyle/>
           <a:p>
-            <a:fld id="{F2713E71-F4D1-4C41-A375-CB39E182F4F3}" type="datetimeFigureOut">
+            <a:fld id="{8F2E1892-E463-4E86-A33B-FB614ACAFF06}" type="datetime1">
               <a:rPr lang="de-DE" smtClean="0"/>
               <a:t>07.12.2020</a:t>
             </a:fld>
@@ -2139,7 +2774,10 @@
           <a:bodyPr/>
           <a:lstStyle/>
           <a:p>
-            <a:endParaRPr lang="de-DE"/>
+            <a:r>
+              <a:rPr lang="de-DE"/>
+              <a:t>Quelle: </a:t>
+            </a:r>
           </a:p>
         </p:txBody>
       </p:sp>
@@ -2389,7 +3027,7 @@
           <a:bodyPr/>
           <a:lstStyle/>
           <a:p>
-            <a:fld id="{F2713E71-F4D1-4C41-A375-CB39E182F4F3}" type="datetimeFigureOut">
+            <a:fld id="{7178C145-9906-42EE-880B-A48C3437FD4C}" type="datetime1">
               <a:rPr lang="de-DE" smtClean="0"/>
               <a:t>07.12.2020</a:t>
             </a:fld>
@@ -2412,7 +3050,10 @@
           <a:bodyPr/>
           <a:lstStyle/>
           <a:p>
-            <a:endParaRPr lang="de-DE"/>
+            <a:r>
+              <a:rPr lang="de-DE"/>
+              <a:t>Quelle: </a:t>
+            </a:r>
           </a:p>
         </p:txBody>
       </p:sp>
@@ -2654,7 +3295,7 @@
           <a:bodyPr/>
           <a:lstStyle/>
           <a:p>
-            <a:fld id="{F2713E71-F4D1-4C41-A375-CB39E182F4F3}" type="datetimeFigureOut">
+            <a:fld id="{DB08DEEE-35C2-45EC-868B-127F1DFCD5E0}" type="datetime1">
               <a:rPr lang="de-DE" smtClean="0"/>
               <a:t>07.12.2020</a:t>
             </a:fld>
@@ -2677,7 +3318,10 @@
           <a:bodyPr/>
           <a:lstStyle/>
           <a:p>
-            <a:endParaRPr lang="de-DE"/>
+            <a:r>
+              <a:rPr lang="de-DE"/>
+              <a:t>Quelle: </a:t>
+            </a:r>
           </a:p>
         </p:txBody>
       </p:sp>
@@ -2903,7 +3547,7 @@
             </a:lvl1pPr>
           </a:lstStyle>
           <a:p>
-            <a:fld id="{F2713E71-F4D1-4C41-A375-CB39E182F4F3}" type="datetimeFigureOut">
+            <a:fld id="{6FED8DD7-3DDE-495A-A074-00677648BF9F}" type="datetime1">
               <a:rPr lang="de-DE" smtClean="0"/>
               <a:t>07.12.2020</a:t>
             </a:fld>
@@ -2942,7 +3586,10 @@
             </a:lvl1pPr>
           </a:lstStyle>
           <a:p>
-            <a:endParaRPr lang="de-DE"/>
+            <a:r>
+              <a:rPr lang="de-DE"/>
+              <a:t>Quelle: </a:t>
+            </a:r>
           </a:p>
         </p:txBody>
       </p:sp>
@@ -3006,6 +3653,7 @@
     <p:sldLayoutId id="2147483760" r:id="rId10"/>
     <p:sldLayoutId id="2147483761" r:id="rId11"/>
   </p:sldLayoutIdLst>
+  <p:hf sldNum="0" hdr="0" ftr="0" dt="0"/>
   <p:txStyles>
     <p:titleStyle>
       <a:lvl1pPr algn="l" defTabSz="914400" rtl="0" eaLnBrk="1" latinLnBrk="0" hangingPunct="1">
@@ -3499,6 +4147,831 @@
 </p:sld>
 </file>
 
+<file path=ppt/slides/slide10.xml><?xml version="1.0" encoding="utf-8"?>
+<p:sld xmlns:a="http://schemas.openxmlformats.org/drawingml/2006/main" xmlns:r="http://schemas.openxmlformats.org/officeDocument/2006/relationships" xmlns:p="http://schemas.openxmlformats.org/presentationml/2006/main">
+  <p:cSld>
+    <p:spTree>
+      <p:nvGrpSpPr>
+        <p:cNvPr id="1" name=""/>
+        <p:cNvGrpSpPr/>
+        <p:nvPr/>
+      </p:nvGrpSpPr>
+      <p:grpSpPr>
+        <a:xfrm>
+          <a:off x="0" y="0"/>
+          <a:ext cx="0" cy="0"/>
+          <a:chOff x="0" y="0"/>
+          <a:chExt cx="0" cy="0"/>
+        </a:xfrm>
+      </p:grpSpPr>
+      <p:sp>
+        <p:nvSpPr>
+          <p:cNvPr id="2" name="Titel 1">
+            <a:extLst>
+              <a:ext uri="{FF2B5EF4-FFF2-40B4-BE49-F238E27FC236}">
+                <a16:creationId xmlns:a16="http://schemas.microsoft.com/office/drawing/2014/main" id="{A1991AC1-26BE-4CAD-8E4A-2003D0D237FE}"/>
+              </a:ext>
+            </a:extLst>
+          </p:cNvPr>
+          <p:cNvSpPr>
+            <a:spLocks noGrp="1"/>
+          </p:cNvSpPr>
+          <p:nvPr>
+            <p:ph type="title"/>
+          </p:nvPr>
+        </p:nvSpPr>
+        <p:spPr/>
+        <p:txBody>
+          <a:bodyPr/>
+          <a:lstStyle/>
+          <a:p>
+            <a:r>
+              <a:rPr lang="de-DE" dirty="0"/>
+              <a:t>Kann die Netzwerk-sicherheit dem Datenschutz schaden?</a:t>
+            </a:r>
+          </a:p>
+        </p:txBody>
+      </p:sp>
+      <p:sp>
+        <p:nvSpPr>
+          <p:cNvPr id="3" name="Inhaltsplatzhalter 2">
+            <a:extLst>
+              <a:ext uri="{FF2B5EF4-FFF2-40B4-BE49-F238E27FC236}">
+                <a16:creationId xmlns:a16="http://schemas.microsoft.com/office/drawing/2014/main" id="{8480B70A-6084-4242-9541-DED06DEBB999}"/>
+              </a:ext>
+            </a:extLst>
+          </p:cNvPr>
+          <p:cNvSpPr>
+            <a:spLocks noGrp="1"/>
+          </p:cNvSpPr>
+          <p:nvPr>
+            <p:ph idx="1"/>
+          </p:nvPr>
+        </p:nvSpPr>
+        <p:spPr/>
+        <p:txBody>
+          <a:bodyPr>
+            <a:normAutofit/>
+          </a:bodyPr>
+          <a:lstStyle/>
+          <a:p>
+            <a:r>
+              <a:rPr lang="de-DE" dirty="0"/>
+              <a:t>Grundsätzlich unterschützen, bis auf wenige Ausnahmen, die Maßnahmen den Datenschutz</a:t>
+            </a:r>
+          </a:p>
+          <a:p>
+            <a:r>
+              <a:rPr lang="de-DE" dirty="0"/>
+              <a:t>Eine dieser Ausnahmen ist das Auslagern von Daten in eine Cloud:</a:t>
+            </a:r>
+          </a:p>
+          <a:p>
+            <a:pPr lvl="1"/>
+            <a:r>
+              <a:rPr lang="de-DE" dirty="0"/>
+              <a:t>Kann das Auslagern in einen Cloud-Speicher die Daten vor Verlust, so verursacht diese Maßnahme in Hinblick auf den Datenschutz zahlreiche Risiken und Probleme. </a:t>
+            </a:r>
+          </a:p>
+          <a:p>
+            <a:pPr lvl="1"/>
+            <a:r>
+              <a:rPr lang="de-DE" dirty="0"/>
+              <a:t>Bei einer Datensicherung in der Cloud, handelt es sich bereits um eine Übermittlung.</a:t>
+            </a:r>
+          </a:p>
+          <a:p>
+            <a:pPr lvl="1"/>
+            <a:r>
+              <a:rPr lang="de-DE" dirty="0"/>
+              <a:t>Hat der Cloud-Anbieter seinen Sitz zudem in einem Drittland, so muss die verantwortliche Stelle weitere Maßnahmen umsetzen, so ist üblicherweise ein angemessenes Datenschutzniveau herzustellen.</a:t>
+            </a:r>
+          </a:p>
+          <a:p>
+            <a:pPr lvl="1"/>
+            <a:r>
+              <a:rPr lang="de-DE" dirty="0"/>
+              <a:t>Möchte eine Organisation auf Cloud-Lösungen zurückgreifen, so ist ein deutscher bzw. europäischer Cloud-Anbieter und das Abschließen eines Vertrages zur Auftragsdatenverarbeitung (ADV) dringend anzuraten. </a:t>
+            </a:r>
+          </a:p>
+        </p:txBody>
+      </p:sp>
+    </p:spTree>
+    <p:extLst>
+      <p:ext uri="{BB962C8B-B14F-4D97-AF65-F5344CB8AC3E}">
+        <p14:creationId xmlns:p14="http://schemas.microsoft.com/office/powerpoint/2010/main" val="3736225465"/>
+      </p:ext>
+    </p:extLst>
+  </p:cSld>
+  <p:clrMapOvr>
+    <a:masterClrMapping/>
+  </p:clrMapOvr>
+</p:sld>
+</file>
+
+<file path=ppt/slides/slide11.xml><?xml version="1.0" encoding="utf-8"?>
+<p:sld xmlns:a="http://schemas.openxmlformats.org/drawingml/2006/main" xmlns:r="http://schemas.openxmlformats.org/officeDocument/2006/relationships" xmlns:p="http://schemas.openxmlformats.org/presentationml/2006/main">
+  <p:cSld>
+    <p:spTree>
+      <p:nvGrpSpPr>
+        <p:cNvPr id="1" name=""/>
+        <p:cNvGrpSpPr/>
+        <p:nvPr/>
+      </p:nvGrpSpPr>
+      <p:grpSpPr>
+        <a:xfrm>
+          <a:off x="0" y="0"/>
+          <a:ext cx="0" cy="0"/>
+          <a:chOff x="0" y="0"/>
+          <a:chExt cx="0" cy="0"/>
+        </a:xfrm>
+      </p:grpSpPr>
+      <p:sp>
+        <p:nvSpPr>
+          <p:cNvPr id="2" name="Titel 1">
+            <a:extLst>
+              <a:ext uri="{FF2B5EF4-FFF2-40B4-BE49-F238E27FC236}">
+                <a16:creationId xmlns:a16="http://schemas.microsoft.com/office/drawing/2014/main" id="{2C6A91E9-F6B8-4747-9197-8B8487E308A3}"/>
+              </a:ext>
+            </a:extLst>
+          </p:cNvPr>
+          <p:cNvSpPr>
+            <a:spLocks noGrp="1"/>
+          </p:cNvSpPr>
+          <p:nvPr>
+            <p:ph type="title"/>
+          </p:nvPr>
+        </p:nvSpPr>
+        <p:spPr/>
+        <p:txBody>
+          <a:bodyPr/>
+          <a:lstStyle/>
+          <a:p>
+            <a:r>
+              <a:rPr lang="de-DE" dirty="0"/>
+              <a:t>Hauptproblem: der Nutzer</a:t>
+            </a:r>
+          </a:p>
+        </p:txBody>
+      </p:sp>
+      <p:sp>
+        <p:nvSpPr>
+          <p:cNvPr id="3" name="Inhaltsplatzhalter 2">
+            <a:extLst>
+              <a:ext uri="{FF2B5EF4-FFF2-40B4-BE49-F238E27FC236}">
+                <a16:creationId xmlns:a16="http://schemas.microsoft.com/office/drawing/2014/main" id="{0DEFA496-031C-42E1-83A5-55DBEEC30F50}"/>
+              </a:ext>
+            </a:extLst>
+          </p:cNvPr>
+          <p:cNvSpPr>
+            <a:spLocks noGrp="1"/>
+          </p:cNvSpPr>
+          <p:nvPr>
+            <p:ph idx="1"/>
+          </p:nvPr>
+        </p:nvSpPr>
+        <p:spPr/>
+        <p:txBody>
+          <a:bodyPr>
+            <a:normAutofit fontScale="85000" lnSpcReduction="20000"/>
+          </a:bodyPr>
+          <a:lstStyle/>
+          <a:p>
+            <a:r>
+              <a:rPr lang="de-DE" dirty="0"/>
+              <a:t>Nutzer, der die Schadsoftware meist unwissentlich selbst installiert</a:t>
+            </a:r>
+          </a:p>
+          <a:p>
+            <a:r>
+              <a:rPr lang="de-DE" dirty="0"/>
+              <a:t>sehr schwer von einem sehr vorsichtigen Umgang mit fremden Dateien zu überzeugen</a:t>
+            </a:r>
+          </a:p>
+          <a:p>
+            <a:r>
+              <a:rPr lang="de-DE" dirty="0"/>
+              <a:t>Sicherheitsgewinn durch einen Virenscanner höher</a:t>
+            </a:r>
+          </a:p>
+          <a:p>
+            <a:pPr lvl="1"/>
+            <a:r>
+              <a:rPr lang="de-DE" dirty="0">
+                <a:solidFill>
+                  <a:schemeClr val="accent1">
+                    <a:lumMod val="60000"/>
+                    <a:lumOff val="40000"/>
+                  </a:schemeClr>
+                </a:solidFill>
+              </a:rPr>
+              <a:t>!ABER!</a:t>
+            </a:r>
+            <a:r>
+              <a:rPr lang="de-DE" dirty="0"/>
+              <a:t> Virenscanner kommt meist verspätet zum Einsatz!</a:t>
+            </a:r>
+          </a:p>
+          <a:p>
+            <a:r>
+              <a:rPr lang="de-DE" dirty="0"/>
+              <a:t>Virenscanner kann im Zweifelsfall den Virenbefall nicht verhindern</a:t>
+            </a:r>
+          </a:p>
+          <a:p>
+            <a:endParaRPr lang="de-DE" dirty="0"/>
+          </a:p>
+          <a:p>
+            <a:r>
+              <a:rPr lang="de-DE" dirty="0"/>
+              <a:t>Für jedes Betriebssystem, egal ob Windows, Linux oder </a:t>
+            </a:r>
+            <a:r>
+              <a:rPr lang="de-DE" dirty="0" err="1"/>
+              <a:t>macOS</a:t>
+            </a:r>
+            <a:r>
+              <a:rPr lang="de-DE" dirty="0"/>
+              <a:t>, gilt:</a:t>
+            </a:r>
+          </a:p>
+          <a:p>
+            <a:endParaRPr lang="de-DE" sz="500" dirty="0"/>
+          </a:p>
+          <a:p>
+            <a:pPr lvl="1"/>
+            <a:r>
+              <a:rPr lang="de-DE" dirty="0"/>
+              <a:t>Jede nicht in Gebrauch befindliche Software deinstallieren.</a:t>
+            </a:r>
+          </a:p>
+          <a:p>
+            <a:pPr lvl="1"/>
+            <a:r>
+              <a:rPr lang="de-DE" dirty="0"/>
+              <a:t>Jeden nicht benötigten Server-Dienst abschalten.</a:t>
+            </a:r>
+          </a:p>
+          <a:p>
+            <a:pPr lvl="1"/>
+            <a:r>
+              <a:rPr lang="de-DE" dirty="0"/>
+              <a:t>Anzahl der Software-Fehler durch regelmäßige Updates reduzieren.</a:t>
+            </a:r>
+          </a:p>
+          <a:p>
+            <a:pPr lvl="1"/>
+            <a:r>
+              <a:rPr lang="de-DE" dirty="0"/>
+              <a:t>Bei Software-Alternativen diejenige mit den geringsten Fehlern wählen.</a:t>
+            </a:r>
+          </a:p>
+          <a:p>
+            <a:pPr lvl="1"/>
+            <a:r>
+              <a:rPr lang="de-DE" dirty="0"/>
+              <a:t>Tendenziell die weniger komplexe Lösung einsetzen.</a:t>
+            </a:r>
+          </a:p>
+        </p:txBody>
+      </p:sp>
+      <p:sp>
+        <p:nvSpPr>
+          <p:cNvPr id="4" name="Rechteck 3">
+            <a:extLst>
+              <a:ext uri="{FF2B5EF4-FFF2-40B4-BE49-F238E27FC236}">
+                <a16:creationId xmlns:a16="http://schemas.microsoft.com/office/drawing/2014/main" id="{B3024275-1E10-428E-ADC2-793B7E5D35C7}"/>
+              </a:ext>
+            </a:extLst>
+          </p:cNvPr>
+          <p:cNvSpPr/>
+          <p:nvPr/>
+        </p:nvSpPr>
+        <p:spPr>
+          <a:xfrm>
+            <a:off x="1202919" y="4114800"/>
+            <a:ext cx="8376087" cy="1984159"/>
+          </a:xfrm>
+          <a:prstGeom prst="rect">
+            <a:avLst/>
+          </a:prstGeom>
+          <a:noFill/>
+          <a:ln>
+            <a:solidFill>
+              <a:srgbClr val="FFFF00"/>
+            </a:solidFill>
+          </a:ln>
+        </p:spPr>
+        <p:style>
+          <a:lnRef idx="2">
+            <a:schemeClr val="accent1">
+              <a:shade val="50000"/>
+            </a:schemeClr>
+          </a:lnRef>
+          <a:fillRef idx="1">
+            <a:schemeClr val="accent1"/>
+          </a:fillRef>
+          <a:effectRef idx="0">
+            <a:schemeClr val="accent1"/>
+          </a:effectRef>
+          <a:fontRef idx="minor">
+            <a:schemeClr val="lt1"/>
+          </a:fontRef>
+        </p:style>
+        <p:txBody>
+          <a:bodyPr rtlCol="0" anchor="ctr"/>
+          <a:lstStyle/>
+          <a:p>
+            <a:pPr algn="ctr"/>
+            <a:endParaRPr lang="de-DE"/>
+          </a:p>
+        </p:txBody>
+      </p:sp>
+      <p:sp>
+        <p:nvSpPr>
+          <p:cNvPr id="5" name="Rechteck 4">
+            <a:extLst>
+              <a:ext uri="{FF2B5EF4-FFF2-40B4-BE49-F238E27FC236}">
+                <a16:creationId xmlns:a16="http://schemas.microsoft.com/office/drawing/2014/main" id="{94B00425-91A3-44F5-9609-28C48B9432C2}"/>
+              </a:ext>
+            </a:extLst>
+          </p:cNvPr>
+          <p:cNvSpPr/>
+          <p:nvPr/>
+        </p:nvSpPr>
+        <p:spPr>
+          <a:xfrm>
+            <a:off x="1202919" y="4114800"/>
+            <a:ext cx="8376087" cy="328473"/>
+          </a:xfrm>
+          <a:prstGeom prst="rect">
+            <a:avLst/>
+          </a:prstGeom>
+          <a:noFill/>
+          <a:ln>
+            <a:solidFill>
+              <a:srgbClr val="FFFF00"/>
+            </a:solidFill>
+          </a:ln>
+        </p:spPr>
+        <p:style>
+          <a:lnRef idx="2">
+            <a:schemeClr val="accent1">
+              <a:shade val="50000"/>
+            </a:schemeClr>
+          </a:lnRef>
+          <a:fillRef idx="1">
+            <a:schemeClr val="accent1"/>
+          </a:fillRef>
+          <a:effectRef idx="0">
+            <a:schemeClr val="accent1"/>
+          </a:effectRef>
+          <a:fontRef idx="minor">
+            <a:schemeClr val="lt1"/>
+          </a:fontRef>
+        </p:style>
+        <p:txBody>
+          <a:bodyPr rtlCol="0" anchor="ctr"/>
+          <a:lstStyle/>
+          <a:p>
+            <a:pPr algn="ctr"/>
+            <a:endParaRPr lang="de-DE"/>
+          </a:p>
+        </p:txBody>
+      </p:sp>
+    </p:spTree>
+    <p:extLst>
+      <p:ext uri="{BB962C8B-B14F-4D97-AF65-F5344CB8AC3E}">
+        <p14:creationId xmlns:p14="http://schemas.microsoft.com/office/powerpoint/2010/main" val="2968789643"/>
+      </p:ext>
+    </p:extLst>
+  </p:cSld>
+  <p:clrMapOvr>
+    <a:masterClrMapping/>
+  </p:clrMapOvr>
+</p:sld>
+</file>
+
+<file path=ppt/slides/slide12.xml><?xml version="1.0" encoding="utf-8"?>
+<p:sld xmlns:a="http://schemas.openxmlformats.org/drawingml/2006/main" xmlns:r="http://schemas.openxmlformats.org/officeDocument/2006/relationships" xmlns:p="http://schemas.openxmlformats.org/presentationml/2006/main">
+  <p:cSld>
+    <p:spTree>
+      <p:nvGrpSpPr>
+        <p:cNvPr id="1" name=""/>
+        <p:cNvGrpSpPr/>
+        <p:nvPr/>
+      </p:nvGrpSpPr>
+      <p:grpSpPr>
+        <a:xfrm>
+          <a:off x="0" y="0"/>
+          <a:ext cx="0" cy="0"/>
+          <a:chOff x="0" y="0"/>
+          <a:chExt cx="0" cy="0"/>
+        </a:xfrm>
+      </p:grpSpPr>
+      <p:sp>
+        <p:nvSpPr>
+          <p:cNvPr id="2" name="Titel 1">
+            <a:extLst>
+              <a:ext uri="{FF2B5EF4-FFF2-40B4-BE49-F238E27FC236}">
+                <a16:creationId xmlns:a16="http://schemas.microsoft.com/office/drawing/2014/main" id="{CC4FE74F-2C3D-4FA1-9014-EEB8586D8C13}"/>
+              </a:ext>
+            </a:extLst>
+          </p:cNvPr>
+          <p:cNvSpPr>
+            <a:spLocks noGrp="1"/>
+          </p:cNvSpPr>
+          <p:nvPr>
+            <p:ph type="title"/>
+          </p:nvPr>
+        </p:nvSpPr>
+        <p:spPr/>
+        <p:txBody>
+          <a:bodyPr/>
+          <a:lstStyle/>
+          <a:p>
+            <a:r>
+              <a:rPr lang="de-DE" dirty="0"/>
+              <a:t>Was man wissen muss!</a:t>
+            </a:r>
+          </a:p>
+        </p:txBody>
+      </p:sp>
+      <p:sp>
+        <p:nvSpPr>
+          <p:cNvPr id="3" name="Inhaltsplatzhalter 2">
+            <a:extLst>
+              <a:ext uri="{FF2B5EF4-FFF2-40B4-BE49-F238E27FC236}">
+                <a16:creationId xmlns:a16="http://schemas.microsoft.com/office/drawing/2014/main" id="{00A5478D-E5DB-4592-87A0-7E38D4699913}"/>
+              </a:ext>
+            </a:extLst>
+          </p:cNvPr>
+          <p:cNvSpPr>
+            <a:spLocks noGrp="1"/>
+          </p:cNvSpPr>
+          <p:nvPr>
+            <p:ph idx="1"/>
+          </p:nvPr>
+        </p:nvSpPr>
+        <p:spPr/>
+        <p:txBody>
+          <a:bodyPr/>
+          <a:lstStyle/>
+          <a:p>
+            <a:r>
+              <a:rPr lang="de-DE" dirty="0"/>
+              <a:t>Alles was wir über Sicherheit im Internet wissen kann man als überholt ansehen</a:t>
+            </a:r>
+          </a:p>
+          <a:p>
+            <a:r>
+              <a:rPr lang="de-DE" dirty="0"/>
+              <a:t>immer davon ausgehen, dass sich der Angreifer innerhalb der eigenen Organisation oder Netzwerk befindet</a:t>
+            </a:r>
+          </a:p>
+          <a:p>
+            <a:r>
+              <a:rPr lang="de-DE" dirty="0"/>
+              <a:t>interne Sicherheitsstrukturen so angelegen, dass der Zugang zu wichtigen Daten ständig kontrolliert wird</a:t>
+            </a:r>
+          </a:p>
+          <a:p>
+            <a:r>
+              <a:rPr lang="de-DE" dirty="0"/>
+              <a:t>Angriffe auf Sicherheitsverfahren werden immer besser.</a:t>
+            </a:r>
+          </a:p>
+          <a:p>
+            <a:r>
+              <a:rPr lang="de-DE" dirty="0"/>
+              <a:t>Ist man den Schwächen eines Verfahrens auf der Spur, dann dauert es nur noch wenige Jahre, bis jemand einen weiteren Trick findet</a:t>
+            </a:r>
+          </a:p>
+        </p:txBody>
+      </p:sp>
+    </p:spTree>
+    <p:extLst>
+      <p:ext uri="{BB962C8B-B14F-4D97-AF65-F5344CB8AC3E}">
+        <p14:creationId xmlns:p14="http://schemas.microsoft.com/office/powerpoint/2010/main" val="452084773"/>
+      </p:ext>
+    </p:extLst>
+  </p:cSld>
+  <p:clrMapOvr>
+    <a:masterClrMapping/>
+  </p:clrMapOvr>
+</p:sld>
+</file>
+
+<file path=ppt/slides/slide13.xml><?xml version="1.0" encoding="utf-8"?>
+<p:sld xmlns:a="http://schemas.openxmlformats.org/drawingml/2006/main" xmlns:r="http://schemas.openxmlformats.org/officeDocument/2006/relationships" xmlns:p="http://schemas.openxmlformats.org/presentationml/2006/main">
+  <p:cSld>
+    <p:spTree>
+      <p:nvGrpSpPr>
+        <p:cNvPr id="1" name=""/>
+        <p:cNvGrpSpPr/>
+        <p:nvPr/>
+      </p:nvGrpSpPr>
+      <p:grpSpPr>
+        <a:xfrm>
+          <a:off x="0" y="0"/>
+          <a:ext cx="0" cy="0"/>
+          <a:chOff x="0" y="0"/>
+          <a:chExt cx="0" cy="0"/>
+        </a:xfrm>
+      </p:grpSpPr>
+      <p:sp>
+        <p:nvSpPr>
+          <p:cNvPr id="4" name="Titel 3">
+            <a:extLst>
+              <a:ext uri="{FF2B5EF4-FFF2-40B4-BE49-F238E27FC236}">
+                <a16:creationId xmlns:a16="http://schemas.microsoft.com/office/drawing/2014/main" id="{7ACC9311-0FB1-477D-9A14-CCF7B0C494DA}"/>
+              </a:ext>
+            </a:extLst>
+          </p:cNvPr>
+          <p:cNvSpPr>
+            <a:spLocks noGrp="1"/>
+          </p:cNvSpPr>
+          <p:nvPr>
+            <p:ph type="title"/>
+          </p:nvPr>
+        </p:nvSpPr>
+        <p:spPr/>
+        <p:txBody>
+          <a:bodyPr/>
+          <a:lstStyle/>
+          <a:p>
+            <a:r>
+              <a:rPr lang="de-DE" dirty="0"/>
+              <a:t>Zusammenfassung</a:t>
+            </a:r>
+          </a:p>
+        </p:txBody>
+      </p:sp>
+      <p:sp>
+        <p:nvSpPr>
+          <p:cNvPr id="5" name="Textplatzhalter 4">
+            <a:extLst>
+              <a:ext uri="{FF2B5EF4-FFF2-40B4-BE49-F238E27FC236}">
+                <a16:creationId xmlns:a16="http://schemas.microsoft.com/office/drawing/2014/main" id="{9200953E-ED06-4EF1-8237-02BF103A76B4}"/>
+              </a:ext>
+            </a:extLst>
+          </p:cNvPr>
+          <p:cNvSpPr>
+            <a:spLocks noGrp="1"/>
+          </p:cNvSpPr>
+          <p:nvPr>
+            <p:ph type="body" idx="1"/>
+          </p:nvPr>
+        </p:nvSpPr>
+        <p:spPr/>
+        <p:txBody>
+          <a:bodyPr/>
+          <a:lstStyle/>
+          <a:p>
+            <a:endParaRPr lang="de-DE"/>
+          </a:p>
+        </p:txBody>
+      </p:sp>
+    </p:spTree>
+    <p:extLst>
+      <p:ext uri="{BB962C8B-B14F-4D97-AF65-F5344CB8AC3E}">
+        <p14:creationId xmlns:p14="http://schemas.microsoft.com/office/powerpoint/2010/main" val="2682749098"/>
+      </p:ext>
+    </p:extLst>
+  </p:cSld>
+  <p:clrMapOvr>
+    <a:masterClrMapping/>
+  </p:clrMapOvr>
+</p:sld>
+</file>
+
+<file path=ppt/slides/slide14.xml><?xml version="1.0" encoding="utf-8"?>
+<p:sld xmlns:a="http://schemas.openxmlformats.org/drawingml/2006/main" xmlns:r="http://schemas.openxmlformats.org/officeDocument/2006/relationships" xmlns:p="http://schemas.openxmlformats.org/presentationml/2006/main">
+  <p:cSld>
+    <p:spTree>
+      <p:nvGrpSpPr>
+        <p:cNvPr id="1" name=""/>
+        <p:cNvGrpSpPr/>
+        <p:nvPr/>
+      </p:nvGrpSpPr>
+      <p:grpSpPr>
+        <a:xfrm>
+          <a:off x="0" y="0"/>
+          <a:ext cx="0" cy="0"/>
+          <a:chOff x="0" y="0"/>
+          <a:chExt cx="0" cy="0"/>
+        </a:xfrm>
+      </p:grpSpPr>
+      <p:sp>
+        <p:nvSpPr>
+          <p:cNvPr id="6" name="Titel 5">
+            <a:extLst>
+              <a:ext uri="{FF2B5EF4-FFF2-40B4-BE49-F238E27FC236}">
+                <a16:creationId xmlns:a16="http://schemas.microsoft.com/office/drawing/2014/main" id="{25C70F8B-A92F-4CB4-A66A-8A2A4AC068A5}"/>
+              </a:ext>
+            </a:extLst>
+          </p:cNvPr>
+          <p:cNvSpPr>
+            <a:spLocks noGrp="1"/>
+          </p:cNvSpPr>
+          <p:nvPr>
+            <p:ph type="title"/>
+          </p:nvPr>
+        </p:nvSpPr>
+        <p:spPr/>
+        <p:txBody>
+          <a:bodyPr>
+            <a:normAutofit/>
+          </a:bodyPr>
+          <a:lstStyle/>
+          <a:p>
+            <a:r>
+              <a:rPr lang="de-DE" dirty="0"/>
+              <a:t>Unterschiede Datenschutz/Netzsicherheit</a:t>
+            </a:r>
+          </a:p>
+        </p:txBody>
+      </p:sp>
+      <p:pic>
+        <p:nvPicPr>
+          <p:cNvPr id="22" name="Grafik 21">
+            <a:extLst>
+              <a:ext uri="{FF2B5EF4-FFF2-40B4-BE49-F238E27FC236}">
+                <a16:creationId xmlns:a16="http://schemas.microsoft.com/office/drawing/2014/main" id="{1E818894-D255-46B4-A3C7-787145661390}"/>
+              </a:ext>
+            </a:extLst>
+          </p:cNvPr>
+          <p:cNvPicPr>
+            <a:picLocks noChangeAspect="1"/>
+          </p:cNvPicPr>
+          <p:nvPr/>
+        </p:nvPicPr>
+        <p:blipFill>
+          <a:blip r:embed="rId3">
+            <a:extLst>
+              <a:ext uri="{28A0092B-C50C-407E-A947-70E740481C1C}">
+                <a14:useLocalDpi xmlns:a14="http://schemas.microsoft.com/office/drawing/2010/main" val="0"/>
+              </a:ext>
+            </a:extLst>
+          </a:blip>
+          <a:stretch>
+            <a:fillRect/>
+          </a:stretch>
+        </p:blipFill>
+        <p:spPr>
+          <a:xfrm>
+            <a:off x="1202919" y="1884271"/>
+            <a:ext cx="9784080" cy="4941256"/>
+          </a:xfrm>
+          <a:prstGeom prst="rect">
+            <a:avLst/>
+          </a:prstGeom>
+        </p:spPr>
+      </p:pic>
+    </p:spTree>
+    <p:extLst>
+      <p:ext uri="{BB962C8B-B14F-4D97-AF65-F5344CB8AC3E}">
+        <p14:creationId xmlns:p14="http://schemas.microsoft.com/office/powerpoint/2010/main" val="3288253455"/>
+      </p:ext>
+    </p:extLst>
+  </p:cSld>
+  <p:clrMapOvr>
+    <a:masterClrMapping/>
+  </p:clrMapOvr>
+</p:sld>
+</file>
+
+<file path=ppt/slides/slide15.xml><?xml version="1.0" encoding="utf-8"?>
+<p:sld xmlns:a="http://schemas.openxmlformats.org/drawingml/2006/main" xmlns:r="http://schemas.openxmlformats.org/officeDocument/2006/relationships" xmlns:p="http://schemas.openxmlformats.org/presentationml/2006/main">
+  <p:cSld>
+    <p:spTree>
+      <p:nvGrpSpPr>
+        <p:cNvPr id="1" name=""/>
+        <p:cNvGrpSpPr/>
+        <p:nvPr/>
+      </p:nvGrpSpPr>
+      <p:grpSpPr>
+        <a:xfrm>
+          <a:off x="0" y="0"/>
+          <a:ext cx="0" cy="0"/>
+          <a:chOff x="0" y="0"/>
+          <a:chExt cx="0" cy="0"/>
+        </a:xfrm>
+      </p:grpSpPr>
+      <p:sp>
+        <p:nvSpPr>
+          <p:cNvPr id="11" name="Vertikaler Titel 10">
+            <a:extLst>
+              <a:ext uri="{FF2B5EF4-FFF2-40B4-BE49-F238E27FC236}">
+                <a16:creationId xmlns:a16="http://schemas.microsoft.com/office/drawing/2014/main" id="{487C2F45-EB8D-455C-BBEC-160BB3EFE786}"/>
+              </a:ext>
+            </a:extLst>
+          </p:cNvPr>
+          <p:cNvSpPr>
+            <a:spLocks noGrp="1"/>
+          </p:cNvSpPr>
+          <p:nvPr>
+            <p:ph type="title" orient="vert"/>
+          </p:nvPr>
+        </p:nvSpPr>
+        <p:spPr/>
+        <p:txBody>
+          <a:bodyPr vert="horz"/>
+          <a:lstStyle/>
+          <a:p>
+            <a:r>
+              <a:rPr lang="de-DE" dirty="0"/>
+              <a:t>Quellen</a:t>
+            </a:r>
+          </a:p>
+        </p:txBody>
+      </p:sp>
+      <p:sp>
+        <p:nvSpPr>
+          <p:cNvPr id="12" name="Vertikaler Textplatzhalter 11">
+            <a:extLst>
+              <a:ext uri="{FF2B5EF4-FFF2-40B4-BE49-F238E27FC236}">
+                <a16:creationId xmlns:a16="http://schemas.microsoft.com/office/drawing/2014/main" id="{F8D45502-0C93-4659-98F7-BC62551C50DE}"/>
+              </a:ext>
+            </a:extLst>
+          </p:cNvPr>
+          <p:cNvSpPr>
+            <a:spLocks noGrp="1"/>
+          </p:cNvSpPr>
+          <p:nvPr>
+            <p:ph type="body" orient="vert" idx="1"/>
+          </p:nvPr>
+        </p:nvSpPr>
+        <p:spPr/>
+        <p:txBody>
+          <a:bodyPr vert="horz"/>
+          <a:lstStyle/>
+          <a:p>
+            <a:r>
+              <a:rPr lang="de-DE" dirty="0">
+                <a:hlinkClick r:id="rId2"/>
+              </a:rPr>
+              <a:t>https://www.brandmauer.de/blog/it-security/was-ist-der-unterschied-zwischen-datenschutz-und-datensicherheit</a:t>
+            </a:r>
+            <a:endParaRPr lang="de-DE" dirty="0"/>
+          </a:p>
+          <a:p>
+            <a:r>
+              <a:rPr lang="de-DE" dirty="0">
+                <a:hlinkClick r:id="rId3"/>
+              </a:rPr>
+              <a:t>https://www.dr-datenschutz.de/fachbeitraege/eu-datenschutz-grundverordnung/#:~:text=Die%20vorangestellten%20Ziele%20sollen%20durch,%2C%20Integrit%C3%A4t%20und%20Vertraulichkeit%2C%20Rechenschaftspflicht</a:t>
+            </a:r>
+            <a:r>
+              <a:rPr lang="de-DE" dirty="0"/>
+              <a:t>.</a:t>
+            </a:r>
+          </a:p>
+          <a:p>
+            <a:r>
+              <a:rPr lang="de-DE" dirty="0">
+                <a:hlinkClick r:id="rId4"/>
+              </a:rPr>
+              <a:t>https://www.cisco.com/c/de_de/products/security/what-is-network-security.html</a:t>
+            </a:r>
+            <a:endParaRPr lang="de-DE" dirty="0"/>
+          </a:p>
+          <a:p>
+            <a:r>
+              <a:rPr lang="de-DE" dirty="0">
+                <a:hlinkClick r:id="rId5"/>
+              </a:rPr>
+              <a:t>https://www.elektronik-kompendium.de/sites/net/0908021.htm</a:t>
+            </a:r>
+            <a:endParaRPr lang="de-DE" dirty="0"/>
+          </a:p>
+          <a:p>
+            <a:r>
+              <a:rPr lang="de-DE" dirty="0">
+                <a:hlinkClick r:id="rId6"/>
+              </a:rPr>
+              <a:t>https://www.elektronik-kompendium.de/sites/net/2512031.htm</a:t>
+            </a:r>
+            <a:endParaRPr lang="de-DE" dirty="0"/>
+          </a:p>
+          <a:p>
+            <a:endParaRPr lang="de-DE" dirty="0"/>
+          </a:p>
+        </p:txBody>
+      </p:sp>
+    </p:spTree>
+    <p:extLst>
+      <p:ext uri="{BB962C8B-B14F-4D97-AF65-F5344CB8AC3E}">
+        <p14:creationId xmlns:p14="http://schemas.microsoft.com/office/powerpoint/2010/main" val="1314937590"/>
+      </p:ext>
+    </p:extLst>
+  </p:cSld>
+  <p:clrMapOvr>
+    <a:masterClrMapping/>
+  </p:clrMapOvr>
+</p:sld>
+</file>
+
 <file path=ppt/slides/slide2.xml><?xml version="1.0" encoding="utf-8"?>
 <p:sld xmlns:a="http://schemas.openxmlformats.org/drawingml/2006/main" xmlns:r="http://schemas.openxmlformats.org/officeDocument/2006/relationships" xmlns:p="http://schemas.openxmlformats.org/presentationml/2006/main">
   <p:cSld>
@@ -3865,8 +5338,59 @@
             </a:pPr>
             <a:r>
               <a:rPr lang="de-DE" sz="1800" dirty="0"/>
+              <a:t>Kann die Netzwerksicherheit dem Datenschutz schaden?</a:t>
+            </a:r>
+          </a:p>
+          <a:p>
+            <a:pPr marL="685800" lvl="1" indent="-457200">
+              <a:buAutoNum type="arabicPeriod"/>
+            </a:pPr>
+            <a:r>
+              <a:rPr lang="de-DE" sz="1800" dirty="0"/>
               <a:t>Hauptproblem: der Nutzer</a:t>
             </a:r>
+          </a:p>
+          <a:p>
+            <a:pPr marL="685800" lvl="1" indent="-457200">
+              <a:buAutoNum type="arabicPeriod"/>
+            </a:pPr>
+            <a:r>
+              <a:rPr lang="de-DE" sz="1800" dirty="0"/>
+              <a:t>Was man wissen muss!</a:t>
+            </a:r>
+          </a:p>
+          <a:p>
+            <a:pPr marL="457200" indent="-457200">
+              <a:buAutoNum type="arabicPeriod"/>
+            </a:pPr>
+            <a:r>
+              <a:rPr lang="de-DE" sz="2000" dirty="0"/>
+              <a:t>Zusammenfassung / Ende</a:t>
+            </a:r>
+          </a:p>
+          <a:p>
+            <a:pPr marL="685800" lvl="1" indent="-457200">
+              <a:buAutoNum type="arabicPeriod"/>
+            </a:pPr>
+            <a:r>
+              <a:rPr lang="de-DE" sz="1800" dirty="0"/>
+              <a:t>Unterschiede Datenschutz/Netzsicherheit</a:t>
+            </a:r>
+          </a:p>
+          <a:p>
+            <a:pPr marL="685800" lvl="1" indent="-457200">
+              <a:buAutoNum type="arabicPeriod"/>
+            </a:pPr>
+            <a:r>
+              <a:rPr lang="de-DE" sz="1800" dirty="0"/>
+              <a:t>Quellen</a:t>
+            </a:r>
+          </a:p>
+          <a:p>
+            <a:pPr marL="685800" lvl="1" indent="-457200">
+              <a:buAutoNum type="arabicPeriod"/>
+            </a:pPr>
+            <a:endParaRPr lang="de-DE" sz="1800" dirty="0"/>
           </a:p>
         </p:txBody>
       </p:sp>
@@ -3880,6 +5404,14 @@
   <p:clrMapOvr>
     <a:masterClrMapping/>
   </p:clrMapOvr>
+  <mc:AlternateContent xmlns:mc="http://schemas.openxmlformats.org/markup-compatibility/2006" xmlns:p14="http://schemas.microsoft.com/office/powerpoint/2010/main">
+    <mc:Choice Requires="p14">
+      <p:transition spd="slow" p14:dur="20000"/>
+    </mc:Choice>
+    <mc:Fallback xmlns="">
+      <p:transition spd="slow"/>
+    </mc:Fallback>
+  </mc:AlternateContent>
 </p:sld>
 </file>
 
@@ -3902,6 +5434,89 @@
       </p:grpSpPr>
       <p:sp>
         <p:nvSpPr>
+          <p:cNvPr id="4" name="Titel 3">
+            <a:extLst>
+              <a:ext uri="{FF2B5EF4-FFF2-40B4-BE49-F238E27FC236}">
+                <a16:creationId xmlns:a16="http://schemas.microsoft.com/office/drawing/2014/main" id="{7ACC9311-0FB1-477D-9A14-CCF7B0C494DA}"/>
+              </a:ext>
+            </a:extLst>
+          </p:cNvPr>
+          <p:cNvSpPr>
+            <a:spLocks noGrp="1"/>
+          </p:cNvSpPr>
+          <p:nvPr>
+            <p:ph type="title"/>
+          </p:nvPr>
+        </p:nvSpPr>
+        <p:spPr/>
+        <p:txBody>
+          <a:bodyPr/>
+          <a:lstStyle/>
+          <a:p>
+            <a:r>
+              <a:rPr lang="de-DE" dirty="0"/>
+              <a:t>Datenschutz</a:t>
+            </a:r>
+          </a:p>
+        </p:txBody>
+      </p:sp>
+      <p:sp>
+        <p:nvSpPr>
+          <p:cNvPr id="5" name="Textplatzhalter 4">
+            <a:extLst>
+              <a:ext uri="{FF2B5EF4-FFF2-40B4-BE49-F238E27FC236}">
+                <a16:creationId xmlns:a16="http://schemas.microsoft.com/office/drawing/2014/main" id="{9200953E-ED06-4EF1-8237-02BF103A76B4}"/>
+              </a:ext>
+            </a:extLst>
+          </p:cNvPr>
+          <p:cNvSpPr>
+            <a:spLocks noGrp="1"/>
+          </p:cNvSpPr>
+          <p:nvPr>
+            <p:ph type="body" idx="1"/>
+          </p:nvPr>
+        </p:nvSpPr>
+        <p:spPr/>
+        <p:txBody>
+          <a:bodyPr/>
+          <a:lstStyle/>
+          <a:p>
+            <a:endParaRPr lang="de-DE"/>
+          </a:p>
+        </p:txBody>
+      </p:sp>
+    </p:spTree>
+    <p:extLst>
+      <p:ext uri="{BB962C8B-B14F-4D97-AF65-F5344CB8AC3E}">
+        <p14:creationId xmlns:p14="http://schemas.microsoft.com/office/powerpoint/2010/main" val="4071331298"/>
+      </p:ext>
+    </p:extLst>
+  </p:cSld>
+  <p:clrMapOvr>
+    <a:masterClrMapping/>
+  </p:clrMapOvr>
+</p:sld>
+</file>
+
+<file path=ppt/slides/slide4.xml><?xml version="1.0" encoding="utf-8"?>
+<p:sld xmlns:a="http://schemas.openxmlformats.org/drawingml/2006/main" xmlns:r="http://schemas.openxmlformats.org/officeDocument/2006/relationships" xmlns:p="http://schemas.openxmlformats.org/presentationml/2006/main">
+  <p:cSld>
+    <p:spTree>
+      <p:nvGrpSpPr>
+        <p:cNvPr id="1" name=""/>
+        <p:cNvGrpSpPr/>
+        <p:nvPr/>
+      </p:nvGrpSpPr>
+      <p:grpSpPr>
+        <a:xfrm>
+          <a:off x="0" y="0"/>
+          <a:ext cx="0" cy="0"/>
+          <a:chOff x="0" y="0"/>
+          <a:chExt cx="0" cy="0"/>
+        </a:xfrm>
+      </p:grpSpPr>
+      <p:sp>
+        <p:nvSpPr>
           <p:cNvPr id="2" name="Titel 1">
             <a:extLst>
               <a:ext uri="{FF2B5EF4-FFF2-40B4-BE49-F238E27FC236}">
@@ -4034,7 +5649,7 @@
           <p:nvPr/>
         </p:nvPicPr>
         <p:blipFill>
-          <a:blip r:embed="rId2"/>
+          <a:blip r:embed="rId3"/>
           <a:stretch>
             <a:fillRect/>
           </a:stretch>
@@ -4062,130 +5677,6 @@
 </p:sld>
 </file>
 
-<file path=ppt/slides/slide4.xml><?xml version="1.0" encoding="utf-8"?>
-<p:sld xmlns:a="http://schemas.openxmlformats.org/drawingml/2006/main" xmlns:r="http://schemas.openxmlformats.org/officeDocument/2006/relationships" xmlns:p="http://schemas.openxmlformats.org/presentationml/2006/main">
-  <p:cSld>
-    <p:spTree>
-      <p:nvGrpSpPr>
-        <p:cNvPr id="1" name=""/>
-        <p:cNvGrpSpPr/>
-        <p:nvPr/>
-      </p:nvGrpSpPr>
-      <p:grpSpPr>
-        <a:xfrm>
-          <a:off x="0" y="0"/>
-          <a:ext cx="0" cy="0"/>
-          <a:chOff x="0" y="0"/>
-          <a:chExt cx="0" cy="0"/>
-        </a:xfrm>
-      </p:grpSpPr>
-      <p:sp>
-        <p:nvSpPr>
-          <p:cNvPr id="2" name="Titel 1">
-            <a:extLst>
-              <a:ext uri="{FF2B5EF4-FFF2-40B4-BE49-F238E27FC236}">
-                <a16:creationId xmlns:a16="http://schemas.microsoft.com/office/drawing/2014/main" id="{6AF4BC08-2F34-4A80-A365-9B90F5A568B0}"/>
-              </a:ext>
-            </a:extLst>
-          </p:cNvPr>
-          <p:cNvSpPr>
-            <a:spLocks noGrp="1"/>
-          </p:cNvSpPr>
-          <p:nvPr>
-            <p:ph type="title"/>
-          </p:nvPr>
-        </p:nvSpPr>
-        <p:spPr/>
-        <p:txBody>
-          <a:bodyPr/>
-          <a:lstStyle/>
-          <a:p>
-            <a:r>
-              <a:rPr lang="de-DE" sz="4000" dirty="0"/>
-              <a:t>Rechtsgrundlagen im Datenschutz </a:t>
-            </a:r>
-            <a:endParaRPr lang="de-DE" dirty="0"/>
-          </a:p>
-        </p:txBody>
-      </p:sp>
-      <p:sp>
-        <p:nvSpPr>
-          <p:cNvPr id="3" name="Inhaltsplatzhalter 2">
-            <a:extLst>
-              <a:ext uri="{FF2B5EF4-FFF2-40B4-BE49-F238E27FC236}">
-                <a16:creationId xmlns:a16="http://schemas.microsoft.com/office/drawing/2014/main" id="{29175E14-D423-478C-BB61-0788D87D0E09}"/>
-              </a:ext>
-            </a:extLst>
-          </p:cNvPr>
-          <p:cNvSpPr>
-            <a:spLocks noGrp="1"/>
-          </p:cNvSpPr>
-          <p:nvPr>
-            <p:ph idx="1"/>
-          </p:nvPr>
-        </p:nvSpPr>
-        <p:spPr/>
-        <p:txBody>
-          <a:bodyPr/>
-          <a:lstStyle/>
-          <a:p>
-            <a:r>
-              <a:rPr lang="de-DE" dirty="0"/>
-              <a:t>Verarbeiten von personenbezogenen benötigen eine rechtliche Grundlage</a:t>
-            </a:r>
-          </a:p>
-          <a:p>
-            <a:r>
-              <a:rPr lang="de-DE" dirty="0"/>
-              <a:t>Artikel 6 Absatz 1 DSGVO liefert einige mögliche Rechtsgrundlagen</a:t>
-            </a:r>
-          </a:p>
-          <a:p>
-            <a:r>
-              <a:rPr lang="de-DE" dirty="0"/>
-              <a:t>Darunter zählen:</a:t>
-            </a:r>
-          </a:p>
-          <a:p>
-            <a:pPr lvl="1"/>
-            <a:r>
-              <a:rPr lang="de-DE" dirty="0"/>
-              <a:t>Einwilligung</a:t>
-            </a:r>
-          </a:p>
-          <a:p>
-            <a:pPr lvl="1"/>
-            <a:r>
-              <a:rPr lang="de-DE" dirty="0"/>
-              <a:t>Vorvertragliche Maßnahmen</a:t>
-            </a:r>
-          </a:p>
-          <a:p>
-            <a:pPr lvl="1"/>
-            <a:r>
-              <a:rPr lang="de-DE" dirty="0"/>
-              <a:t>Berechtige Interessen</a:t>
-            </a:r>
-          </a:p>
-          <a:p>
-            <a:pPr lvl="1"/>
-            <a:endParaRPr lang="de-DE" dirty="0"/>
-          </a:p>
-        </p:txBody>
-      </p:sp>
-    </p:spTree>
-    <p:extLst>
-      <p:ext uri="{BB962C8B-B14F-4D97-AF65-F5344CB8AC3E}">
-        <p14:creationId xmlns:p14="http://schemas.microsoft.com/office/powerpoint/2010/main" val="2218067624"/>
-      </p:ext>
-    </p:extLst>
-  </p:cSld>
-  <p:clrMapOvr>
-    <a:masterClrMapping/>
-  </p:clrMapOvr>
-</p:sld>
-</file>
-
 <file path=ppt/slides/slide5.xml><?xml version="1.0" encoding="utf-8"?>
 <p:sld xmlns:a="http://schemas.openxmlformats.org/drawingml/2006/main" xmlns:r="http://schemas.openxmlformats.org/officeDocument/2006/relationships" xmlns:p="http://schemas.openxmlformats.org/presentationml/2006/main">
   <p:cSld>
@@ -4208,7 +5699,7 @@
           <p:cNvPr id="2" name="Titel 1">
             <a:extLst>
               <a:ext uri="{FF2B5EF4-FFF2-40B4-BE49-F238E27FC236}">
-                <a16:creationId xmlns:a16="http://schemas.microsoft.com/office/drawing/2014/main" id="{15D56530-D7D5-40BF-9634-D1EC3A2F10A6}"/>
+                <a16:creationId xmlns:a16="http://schemas.microsoft.com/office/drawing/2014/main" id="{6AF4BC08-2F34-4A80-A365-9B90F5A568B0}"/>
               </a:ext>
             </a:extLst>
           </p:cNvPr>
@@ -4225,9 +5716,10 @@
           <a:lstStyle/>
           <a:p>
             <a:r>
-              <a:rPr lang="de-DE" dirty="0"/>
-              <a:t>DSGVO: Zeitplan &amp; Ziele</a:t>
-            </a:r>
+              <a:rPr lang="de-DE" sz="4000" dirty="0"/>
+              <a:t>Rechtsgrundlagen im Datenschutz </a:t>
+            </a:r>
+            <a:endParaRPr lang="de-DE" dirty="0"/>
           </a:p>
         </p:txBody>
       </p:sp>
@@ -4236,7 +5728,7 @@
           <p:cNvPr id="3" name="Inhaltsplatzhalter 2">
             <a:extLst>
               <a:ext uri="{FF2B5EF4-FFF2-40B4-BE49-F238E27FC236}">
-                <a16:creationId xmlns:a16="http://schemas.microsoft.com/office/drawing/2014/main" id="{217B352D-381C-4459-9EEC-E04D3C31B833}"/>
+                <a16:creationId xmlns:a16="http://schemas.microsoft.com/office/drawing/2014/main" id="{29175E14-D423-478C-BB61-0788D87D0E09}"/>
               </a:ext>
             </a:extLst>
           </p:cNvPr>
@@ -4254,43 +5746,44 @@
           <a:p>
             <a:r>
               <a:rPr lang="de-DE" dirty="0"/>
-              <a:t>Zeitplan:</a:t>
+              <a:t>Verarbeiten von personenbezogenen benötigen eine rechtliche Grundlage</a:t>
+            </a:r>
+          </a:p>
+          <a:p>
+            <a:r>
+              <a:rPr lang="de-DE" dirty="0"/>
+              <a:t>Artikel 6 Absatz 1 DSGVO liefert einige mögliche Rechtsgrundlagen</a:t>
+            </a:r>
+          </a:p>
+          <a:p>
+            <a:r>
+              <a:rPr lang="de-DE" dirty="0"/>
+              <a:t>Darunter zählen:</a:t>
             </a:r>
           </a:p>
           <a:p>
             <a:pPr lvl="1"/>
             <a:r>
               <a:rPr lang="de-DE" dirty="0"/>
-              <a:t>März 2016: offizielle deutsche Fassung der EU-DSGVO</a:t>
+              <a:t>Einwilligung</a:t>
             </a:r>
           </a:p>
           <a:p>
             <a:pPr lvl="1"/>
             <a:r>
               <a:rPr lang="de-DE" dirty="0"/>
-              <a:t>April 2016: Beratung des EU-Ministerrats, danach Abstimmung im Europäischen Parlament</a:t>
+              <a:t>Vorvertragliche Maßnahmen</a:t>
             </a:r>
           </a:p>
           <a:p>
             <a:pPr lvl="1"/>
             <a:r>
               <a:rPr lang="de-DE" dirty="0"/>
-              <a:t>25. Mai 2018: Anwendbarkeit der EU-Datenschutz-Grundverordnung</a:t>
-            </a:r>
-          </a:p>
-          <a:p>
-            <a:r>
-              <a:rPr lang="de-DE" dirty="0"/>
-              <a:t>Ziele der EU-DSGVO sind der Schutz der Grundrechte und Grundfreiheiten natürlicher Personen </a:t>
-            </a:r>
-          </a:p>
-          <a:p>
-            <a:r>
-              <a:rPr lang="de-DE" dirty="0"/>
-              <a:t>Ziele sollen durch die in Art. 5 DSGVO festgelegten Grundsätze erreicht werden</a:t>
-            </a:r>
-          </a:p>
-          <a:p>
+              <a:t>Berechtige Interessen</a:t>
+            </a:r>
+          </a:p>
+          <a:p>
+            <a:pPr lvl="1"/>
             <a:endParaRPr lang="de-DE" dirty="0"/>
           </a:p>
         </p:txBody>
@@ -4298,7 +5791,7 @@
     </p:spTree>
     <p:extLst>
       <p:ext uri="{BB962C8B-B14F-4D97-AF65-F5344CB8AC3E}">
-        <p14:creationId xmlns:p14="http://schemas.microsoft.com/office/powerpoint/2010/main" val="106265549"/>
+        <p14:creationId xmlns:p14="http://schemas.microsoft.com/office/powerpoint/2010/main" val="2218067624"/>
       </p:ext>
     </p:extLst>
   </p:cSld>
@@ -4330,6 +5823,211 @@
           <p:cNvPr id="2" name="Titel 1">
             <a:extLst>
               <a:ext uri="{FF2B5EF4-FFF2-40B4-BE49-F238E27FC236}">
+                <a16:creationId xmlns:a16="http://schemas.microsoft.com/office/drawing/2014/main" id="{15D56530-D7D5-40BF-9634-D1EC3A2F10A6}"/>
+              </a:ext>
+            </a:extLst>
+          </p:cNvPr>
+          <p:cNvSpPr>
+            <a:spLocks noGrp="1"/>
+          </p:cNvSpPr>
+          <p:nvPr>
+            <p:ph type="title"/>
+          </p:nvPr>
+        </p:nvSpPr>
+        <p:spPr/>
+        <p:txBody>
+          <a:bodyPr/>
+          <a:lstStyle/>
+          <a:p>
+            <a:r>
+              <a:rPr lang="de-DE" dirty="0"/>
+              <a:t>DSGVO: Zeitplan &amp; Ziele</a:t>
+            </a:r>
+          </a:p>
+        </p:txBody>
+      </p:sp>
+      <p:sp>
+        <p:nvSpPr>
+          <p:cNvPr id="3" name="Inhaltsplatzhalter 2">
+            <a:extLst>
+              <a:ext uri="{FF2B5EF4-FFF2-40B4-BE49-F238E27FC236}">
+                <a16:creationId xmlns:a16="http://schemas.microsoft.com/office/drawing/2014/main" id="{217B352D-381C-4459-9EEC-E04D3C31B833}"/>
+              </a:ext>
+            </a:extLst>
+          </p:cNvPr>
+          <p:cNvSpPr>
+            <a:spLocks noGrp="1"/>
+          </p:cNvSpPr>
+          <p:nvPr>
+            <p:ph idx="1"/>
+          </p:nvPr>
+        </p:nvSpPr>
+        <p:spPr/>
+        <p:txBody>
+          <a:bodyPr/>
+          <a:lstStyle/>
+          <a:p>
+            <a:r>
+              <a:rPr lang="de-DE" dirty="0"/>
+              <a:t>Zeitplan:</a:t>
+            </a:r>
+          </a:p>
+          <a:p>
+            <a:pPr lvl="1"/>
+            <a:r>
+              <a:rPr lang="de-DE" dirty="0"/>
+              <a:t>März 2016: offizielle deutsche Fassung der EU-DSGVO</a:t>
+            </a:r>
+          </a:p>
+          <a:p>
+            <a:pPr lvl="1"/>
+            <a:r>
+              <a:rPr lang="de-DE" dirty="0"/>
+              <a:t>April 2016: Beratung des EU-Ministerrats, danach Abstimmung im Europäischen Parlament</a:t>
+            </a:r>
+          </a:p>
+          <a:p>
+            <a:pPr lvl="1"/>
+            <a:r>
+              <a:rPr lang="de-DE" dirty="0"/>
+              <a:t>25. Mai 2018: Anwendbarkeit der EU-Datenschutz-Grundverordnung</a:t>
+            </a:r>
+          </a:p>
+          <a:p>
+            <a:r>
+              <a:rPr lang="de-DE" dirty="0"/>
+              <a:t>Ziele der EU-DSGVO sind der Schutz der Grundrechte und Grundfreiheiten natürlicher Personen </a:t>
+            </a:r>
+          </a:p>
+          <a:p>
+            <a:r>
+              <a:rPr lang="de-DE" dirty="0"/>
+              <a:t>Ziele sollen durch die in Art. 5 DSGVO festgelegten Grundsätze erreicht werden</a:t>
+            </a:r>
+          </a:p>
+          <a:p>
+            <a:endParaRPr lang="de-DE" dirty="0"/>
+          </a:p>
+        </p:txBody>
+      </p:sp>
+    </p:spTree>
+    <p:extLst>
+      <p:ext uri="{BB962C8B-B14F-4D97-AF65-F5344CB8AC3E}">
+        <p14:creationId xmlns:p14="http://schemas.microsoft.com/office/powerpoint/2010/main" val="106265549"/>
+      </p:ext>
+    </p:extLst>
+  </p:cSld>
+  <p:clrMapOvr>
+    <a:masterClrMapping/>
+  </p:clrMapOvr>
+</p:sld>
+</file>
+
+<file path=ppt/slides/slide7.xml><?xml version="1.0" encoding="utf-8"?>
+<p:sld xmlns:a="http://schemas.openxmlformats.org/drawingml/2006/main" xmlns:r="http://schemas.openxmlformats.org/officeDocument/2006/relationships" xmlns:p="http://schemas.openxmlformats.org/presentationml/2006/main">
+  <p:cSld>
+    <p:spTree>
+      <p:nvGrpSpPr>
+        <p:cNvPr id="1" name=""/>
+        <p:cNvGrpSpPr/>
+        <p:nvPr/>
+      </p:nvGrpSpPr>
+      <p:grpSpPr>
+        <a:xfrm>
+          <a:off x="0" y="0"/>
+          <a:ext cx="0" cy="0"/>
+          <a:chOff x="0" y="0"/>
+          <a:chExt cx="0" cy="0"/>
+        </a:xfrm>
+      </p:grpSpPr>
+      <p:sp>
+        <p:nvSpPr>
+          <p:cNvPr id="4" name="Titel 3">
+            <a:extLst>
+              <a:ext uri="{FF2B5EF4-FFF2-40B4-BE49-F238E27FC236}">
+                <a16:creationId xmlns:a16="http://schemas.microsoft.com/office/drawing/2014/main" id="{7ACC9311-0FB1-477D-9A14-CCF7B0C494DA}"/>
+              </a:ext>
+            </a:extLst>
+          </p:cNvPr>
+          <p:cNvSpPr>
+            <a:spLocks noGrp="1"/>
+          </p:cNvSpPr>
+          <p:nvPr>
+            <p:ph type="title"/>
+          </p:nvPr>
+        </p:nvSpPr>
+        <p:spPr/>
+        <p:txBody>
+          <a:bodyPr/>
+          <a:lstStyle/>
+          <a:p>
+            <a:r>
+              <a:rPr lang="de-DE" dirty="0"/>
+              <a:t>Netzwerksicherheit</a:t>
+            </a:r>
+          </a:p>
+        </p:txBody>
+      </p:sp>
+      <p:sp>
+        <p:nvSpPr>
+          <p:cNvPr id="5" name="Textplatzhalter 4">
+            <a:extLst>
+              <a:ext uri="{FF2B5EF4-FFF2-40B4-BE49-F238E27FC236}">
+                <a16:creationId xmlns:a16="http://schemas.microsoft.com/office/drawing/2014/main" id="{9200953E-ED06-4EF1-8237-02BF103A76B4}"/>
+              </a:ext>
+            </a:extLst>
+          </p:cNvPr>
+          <p:cNvSpPr>
+            <a:spLocks noGrp="1"/>
+          </p:cNvSpPr>
+          <p:nvPr>
+            <p:ph type="body" idx="1"/>
+          </p:nvPr>
+        </p:nvSpPr>
+        <p:spPr/>
+        <p:txBody>
+          <a:bodyPr/>
+          <a:lstStyle/>
+          <a:p>
+            <a:endParaRPr lang="de-DE"/>
+          </a:p>
+        </p:txBody>
+      </p:sp>
+    </p:spTree>
+    <p:extLst>
+      <p:ext uri="{BB962C8B-B14F-4D97-AF65-F5344CB8AC3E}">
+        <p14:creationId xmlns:p14="http://schemas.microsoft.com/office/powerpoint/2010/main" val="1739292755"/>
+      </p:ext>
+    </p:extLst>
+  </p:cSld>
+  <p:clrMapOvr>
+    <a:masterClrMapping/>
+  </p:clrMapOvr>
+</p:sld>
+</file>
+
+<file path=ppt/slides/slide8.xml><?xml version="1.0" encoding="utf-8"?>
+<p:sld xmlns:a="http://schemas.openxmlformats.org/drawingml/2006/main" xmlns:r="http://schemas.openxmlformats.org/officeDocument/2006/relationships" xmlns:p="http://schemas.openxmlformats.org/presentationml/2006/main">
+  <p:cSld>
+    <p:spTree>
+      <p:nvGrpSpPr>
+        <p:cNvPr id="1" name=""/>
+        <p:cNvGrpSpPr/>
+        <p:nvPr/>
+      </p:nvGrpSpPr>
+      <p:grpSpPr>
+        <a:xfrm>
+          <a:off x="0" y="0"/>
+          <a:ext cx="0" cy="0"/>
+          <a:chOff x="0" y="0"/>
+          <a:chExt cx="0" cy="0"/>
+        </a:xfrm>
+      </p:grpSpPr>
+      <p:sp>
+        <p:nvSpPr>
+          <p:cNvPr id="2" name="Titel 1">
+            <a:extLst>
+              <a:ext uri="{FF2B5EF4-FFF2-40B4-BE49-F238E27FC236}">
                 <a16:creationId xmlns:a16="http://schemas.microsoft.com/office/drawing/2014/main" id="{A928B74D-26D4-458F-83A2-555F2D35531C}"/>
               </a:ext>
             </a:extLst>
@@ -4348,15 +6046,7 @@
           <a:p>
             <a:r>
               <a:rPr lang="de-DE" dirty="0"/>
-              <a:t>Was ist </a:t>
-            </a:r>
-            <a:r>
-              <a:rPr lang="de-DE" dirty="0" err="1"/>
-              <a:t>netzwerksicherheit</a:t>
-            </a:r>
-            <a:r>
-              <a:rPr lang="de-DE" dirty="0"/>
-              <a:t>?</a:t>
+              <a:t>Was ist Netzwerk-Sicherheit?</a:t>
             </a:r>
           </a:p>
         </p:txBody>
@@ -4467,7 +6157,7 @@
 </p:sld>
 </file>
 
-<file path=ppt/slides/slide7.xml><?xml version="1.0" encoding="utf-8"?>
+<file path=ppt/slides/slide9.xml><?xml version="1.0" encoding="utf-8"?>
 <p:sld xmlns:a="http://schemas.openxmlformats.org/drawingml/2006/main" xmlns:r="http://schemas.openxmlformats.org/officeDocument/2006/relationships" xmlns:p="http://schemas.openxmlformats.org/presentationml/2006/main">
   <p:cSld>
     <p:spTree>
@@ -4589,128 +6279,6 @@
     <p:extLst>
       <p:ext uri="{BB962C8B-B14F-4D97-AF65-F5344CB8AC3E}">
         <p14:creationId xmlns:p14="http://schemas.microsoft.com/office/powerpoint/2010/main" val="2188937826"/>
-      </p:ext>
-    </p:extLst>
-  </p:cSld>
-  <p:clrMapOvr>
-    <a:masterClrMapping/>
-  </p:clrMapOvr>
-</p:sld>
-</file>
-
-<file path=ppt/slides/slide8.xml><?xml version="1.0" encoding="utf-8"?>
-<p:sld xmlns:a="http://schemas.openxmlformats.org/drawingml/2006/main" xmlns:r="http://schemas.openxmlformats.org/officeDocument/2006/relationships" xmlns:p="http://schemas.openxmlformats.org/presentationml/2006/main">
-  <p:cSld>
-    <p:spTree>
-      <p:nvGrpSpPr>
-        <p:cNvPr id="1" name=""/>
-        <p:cNvGrpSpPr/>
-        <p:nvPr/>
-      </p:nvGrpSpPr>
-      <p:grpSpPr>
-        <a:xfrm>
-          <a:off x="0" y="0"/>
-          <a:ext cx="0" cy="0"/>
-          <a:chOff x="0" y="0"/>
-          <a:chExt cx="0" cy="0"/>
-        </a:xfrm>
-      </p:grpSpPr>
-      <p:sp>
-        <p:nvSpPr>
-          <p:cNvPr id="2" name="Titel 1">
-            <a:extLst>
-              <a:ext uri="{FF2B5EF4-FFF2-40B4-BE49-F238E27FC236}">
-                <a16:creationId xmlns:a16="http://schemas.microsoft.com/office/drawing/2014/main" id="{2C6A91E9-F6B8-4747-9197-8B8487E308A3}"/>
-              </a:ext>
-            </a:extLst>
-          </p:cNvPr>
-          <p:cNvSpPr>
-            <a:spLocks noGrp="1"/>
-          </p:cNvSpPr>
-          <p:nvPr>
-            <p:ph type="title"/>
-          </p:nvPr>
-        </p:nvSpPr>
-        <p:spPr/>
-        <p:txBody>
-          <a:bodyPr/>
-          <a:lstStyle/>
-          <a:p>
-            <a:r>
-              <a:rPr lang="de-DE" dirty="0"/>
-              <a:t>Hauptproblem: der Nutzer</a:t>
-            </a:r>
-          </a:p>
-        </p:txBody>
-      </p:sp>
-      <p:sp>
-        <p:nvSpPr>
-          <p:cNvPr id="3" name="Inhaltsplatzhalter 2">
-            <a:extLst>
-              <a:ext uri="{FF2B5EF4-FFF2-40B4-BE49-F238E27FC236}">
-                <a16:creationId xmlns:a16="http://schemas.microsoft.com/office/drawing/2014/main" id="{0DEFA496-031C-42E1-83A5-55DBEEC30F50}"/>
-              </a:ext>
-            </a:extLst>
-          </p:cNvPr>
-          <p:cNvSpPr>
-            <a:spLocks noGrp="1"/>
-          </p:cNvSpPr>
-          <p:nvPr>
-            <p:ph idx="1"/>
-          </p:nvPr>
-        </p:nvSpPr>
-        <p:spPr/>
-        <p:txBody>
-          <a:bodyPr/>
-          <a:lstStyle/>
-          <a:p>
-            <a:r>
-              <a:rPr lang="de-DE" dirty="0"/>
-              <a:t>Nutzer, der die Schadsoftware meist unwissentlich selbst installiert</a:t>
-            </a:r>
-          </a:p>
-          <a:p>
-            <a:r>
-              <a:rPr lang="de-DE" dirty="0"/>
-              <a:t>sehr schwer von einem sehr vorsichtigen Umgang mit fremden Dateien zu überzeugen</a:t>
-            </a:r>
-          </a:p>
-          <a:p>
-            <a:r>
-              <a:rPr lang="de-DE" dirty="0"/>
-              <a:t>Sicherheitsgewinn durch einen Virenscanner höher</a:t>
-            </a:r>
-          </a:p>
-          <a:p>
-            <a:pPr lvl="1"/>
-            <a:r>
-              <a:rPr lang="de-DE" dirty="0">
-                <a:solidFill>
-                  <a:schemeClr val="accent1">
-                    <a:lumMod val="60000"/>
-                    <a:lumOff val="40000"/>
-                  </a:schemeClr>
-                </a:solidFill>
-              </a:rPr>
-              <a:t>!ABER!</a:t>
-            </a:r>
-            <a:r>
-              <a:rPr lang="de-DE" dirty="0"/>
-              <a:t> Virenscanner kommt meist verspätet zum Einsatz!</a:t>
-            </a:r>
-          </a:p>
-          <a:p>
-            <a:r>
-              <a:rPr lang="de-DE" dirty="0"/>
-              <a:t>Virenscanner kann im Zweifelsfall den Virenbefall nicht verhindern</a:t>
-            </a:r>
-          </a:p>
-        </p:txBody>
-      </p:sp>
-    </p:spTree>
-    <p:extLst>
-      <p:ext uri="{BB962C8B-B14F-4D97-AF65-F5344CB8AC3E}">
-        <p14:creationId xmlns:p14="http://schemas.microsoft.com/office/powerpoint/2010/main" val="2968789643"/>
       </p:ext>
     </p:extLst>
   </p:cSld>
@@ -4983,4 +6551,299 @@
     </a:ext>
   </a:extLst>
 </a:theme>
+</file>
+
+<file path=ppt/theme/theme2.xml><?xml version="1.0" encoding="utf-8"?>
+<a:theme xmlns:a="http://schemas.openxmlformats.org/drawingml/2006/main" name="Office">
+  <a:themeElements>
+    <a:clrScheme name="Office">
+      <a:dk1>
+        <a:sysClr val="windowText" lastClr="000000"/>
+      </a:dk1>
+      <a:lt1>
+        <a:sysClr val="window" lastClr="FFFFFF"/>
+      </a:lt1>
+      <a:dk2>
+        <a:srgbClr val="44546A"/>
+      </a:dk2>
+      <a:lt2>
+        <a:srgbClr val="E7E6E6"/>
+      </a:lt2>
+      <a:accent1>
+        <a:srgbClr val="4472C4"/>
+      </a:accent1>
+      <a:accent2>
+        <a:srgbClr val="ED7D31"/>
+      </a:accent2>
+      <a:accent3>
+        <a:srgbClr val="A5A5A5"/>
+      </a:accent3>
+      <a:accent4>
+        <a:srgbClr val="FFC000"/>
+      </a:accent4>
+      <a:accent5>
+        <a:srgbClr val="5B9BD5"/>
+      </a:accent5>
+      <a:accent6>
+        <a:srgbClr val="70AD47"/>
+      </a:accent6>
+      <a:hlink>
+        <a:srgbClr val="0563C1"/>
+      </a:hlink>
+      <a:folHlink>
+        <a:srgbClr val="954F72"/>
+      </a:folHlink>
+    </a:clrScheme>
+    <a:fontScheme name="Office">
+      <a:majorFont>
+        <a:latin typeface="Calibri Light" panose="020F0302020204030204"/>
+        <a:ea typeface=""/>
+        <a:cs typeface=""/>
+        <a:font script="Jpan" typeface="游ゴシック Light"/>
+        <a:font script="Hang" typeface="맑은 고딕"/>
+        <a:font script="Hans" typeface="等线 Light"/>
+        <a:font script="Hant" typeface="新細明體"/>
+        <a:font script="Arab" typeface="Times New Roman"/>
+        <a:font script="Hebr" typeface="Times New Roman"/>
+        <a:font script="Thai" typeface="Angsana New"/>
+        <a:font script="Ethi" typeface="Nyala"/>
+        <a:font script="Beng" typeface="Vrinda"/>
+        <a:font script="Gujr" typeface="Shruti"/>
+        <a:font script="Khmr" typeface="MoolBoran"/>
+        <a:font script="Knda" typeface="Tunga"/>
+        <a:font script="Guru" typeface="Raavi"/>
+        <a:font script="Cans" typeface="Euphemia"/>
+        <a:font script="Cher" typeface="Plantagenet Cherokee"/>
+        <a:font script="Yiii" typeface="Microsoft Yi Baiti"/>
+        <a:font script="Tibt" typeface="Microsoft Himalaya"/>
+        <a:font script="Thaa" typeface="MV Boli"/>
+        <a:font script="Deva" typeface="Mangal"/>
+        <a:font script="Telu" typeface="Gautami"/>
+        <a:font script="Taml" typeface="Latha"/>
+        <a:font script="Syrc" typeface="Estrangelo Edessa"/>
+        <a:font script="Orya" typeface="Kalinga"/>
+        <a:font script="Mlym" typeface="Kartika"/>
+        <a:font script="Laoo" typeface="DokChampa"/>
+        <a:font script="Sinh" typeface="Iskoola Pota"/>
+        <a:font script="Mong" typeface="Mongolian Baiti"/>
+        <a:font script="Viet" typeface="Times New Roman"/>
+        <a:font script="Uigh" typeface="Microsoft Uighur"/>
+        <a:font script="Geor" typeface="Sylfaen"/>
+        <a:font script="Armn" typeface="Arial"/>
+        <a:font script="Bugi" typeface="Leelawadee UI"/>
+        <a:font script="Bopo" typeface="Microsoft JhengHei"/>
+        <a:font script="Java" typeface="Javanese Text"/>
+        <a:font script="Lisu" typeface="Segoe UI"/>
+        <a:font script="Mymr" typeface="Myanmar Text"/>
+        <a:font script="Nkoo" typeface="Ebrima"/>
+        <a:font script="Olck" typeface="Nirmala UI"/>
+        <a:font script="Osma" typeface="Ebrima"/>
+        <a:font script="Phag" typeface="Phagspa"/>
+        <a:font script="Syrn" typeface="Estrangelo Edessa"/>
+        <a:font script="Syrj" typeface="Estrangelo Edessa"/>
+        <a:font script="Syre" typeface="Estrangelo Edessa"/>
+        <a:font script="Sora" typeface="Nirmala UI"/>
+        <a:font script="Tale" typeface="Microsoft Tai Le"/>
+        <a:font script="Talu" typeface="Microsoft New Tai Lue"/>
+        <a:font script="Tfng" typeface="Ebrima"/>
+      </a:majorFont>
+      <a:minorFont>
+        <a:latin typeface="Calibri" panose="020F0502020204030204"/>
+        <a:ea typeface=""/>
+        <a:cs typeface=""/>
+        <a:font script="Jpan" typeface="游ゴシック"/>
+        <a:font script="Hang" typeface="맑은 고딕"/>
+        <a:font script="Hans" typeface="等线"/>
+        <a:font script="Hant" typeface="新細明體"/>
+        <a:font script="Arab" typeface="Arial"/>
+        <a:font script="Hebr" typeface="Arial"/>
+        <a:font script="Thai" typeface="Cordia New"/>
+        <a:font script="Ethi" typeface="Nyala"/>
+        <a:font script="Beng" typeface="Vrinda"/>
+        <a:font script="Gujr" typeface="Shruti"/>
+        <a:font script="Khmr" typeface="DaunPenh"/>
+        <a:font script="Knda" typeface="Tunga"/>
+        <a:font script="Guru" typeface="Raavi"/>
+        <a:font script="Cans" typeface="Euphemia"/>
+        <a:font script="Cher" typeface="Plantagenet Cherokee"/>
+        <a:font script="Yiii" typeface="Microsoft Yi Baiti"/>
+        <a:font script="Tibt" typeface="Microsoft Himalaya"/>
+        <a:font script="Thaa" typeface="MV Boli"/>
+        <a:font script="Deva" typeface="Mangal"/>
+        <a:font script="Telu" typeface="Gautami"/>
+        <a:font script="Taml" typeface="Latha"/>
+        <a:font script="Syrc" typeface="Estrangelo Edessa"/>
+        <a:font script="Orya" typeface="Kalinga"/>
+        <a:font script="Mlym" typeface="Kartika"/>
+        <a:font script="Laoo" typeface="DokChampa"/>
+        <a:font script="Sinh" typeface="Iskoola Pota"/>
+        <a:font script="Mong" typeface="Mongolian Baiti"/>
+        <a:font script="Viet" typeface="Arial"/>
+        <a:font script="Uigh" typeface="Microsoft Uighur"/>
+        <a:font script="Geor" typeface="Sylfaen"/>
+        <a:font script="Armn" typeface="Arial"/>
+        <a:font script="Bugi" typeface="Leelawadee UI"/>
+        <a:font script="Bopo" typeface="Microsoft JhengHei"/>
+        <a:font script="Java" typeface="Javanese Text"/>
+        <a:font script="Lisu" typeface="Segoe UI"/>
+        <a:font script="Mymr" typeface="Myanmar Text"/>
+        <a:font script="Nkoo" typeface="Ebrima"/>
+        <a:font script="Olck" typeface="Nirmala UI"/>
+        <a:font script="Osma" typeface="Ebrima"/>
+        <a:font script="Phag" typeface="Phagspa"/>
+        <a:font script="Syrn" typeface="Estrangelo Edessa"/>
+        <a:font script="Syrj" typeface="Estrangelo Edessa"/>
+        <a:font script="Syre" typeface="Estrangelo Edessa"/>
+        <a:font script="Sora" typeface="Nirmala UI"/>
+        <a:font script="Tale" typeface="Microsoft Tai Le"/>
+        <a:font script="Talu" typeface="Microsoft New Tai Lue"/>
+        <a:font script="Tfng" typeface="Ebrima"/>
+      </a:minorFont>
+    </a:fontScheme>
+    <a:fmtScheme name="Office">
+      <a:fillStyleLst>
+        <a:solidFill>
+          <a:schemeClr val="phClr"/>
+        </a:solidFill>
+        <a:gradFill rotWithShape="1">
+          <a:gsLst>
+            <a:gs pos="0">
+              <a:schemeClr val="phClr">
+                <a:lumMod val="110000"/>
+                <a:satMod val="105000"/>
+                <a:tint val="67000"/>
+              </a:schemeClr>
+            </a:gs>
+            <a:gs pos="50000">
+              <a:schemeClr val="phClr">
+                <a:lumMod val="105000"/>
+                <a:satMod val="103000"/>
+                <a:tint val="73000"/>
+              </a:schemeClr>
+            </a:gs>
+            <a:gs pos="100000">
+              <a:schemeClr val="phClr">
+                <a:lumMod val="105000"/>
+                <a:satMod val="109000"/>
+                <a:tint val="81000"/>
+              </a:schemeClr>
+            </a:gs>
+          </a:gsLst>
+          <a:lin ang="5400000" scaled="0"/>
+        </a:gradFill>
+        <a:gradFill rotWithShape="1">
+          <a:gsLst>
+            <a:gs pos="0">
+              <a:schemeClr val="phClr">
+                <a:satMod val="103000"/>
+                <a:lumMod val="102000"/>
+                <a:tint val="94000"/>
+              </a:schemeClr>
+            </a:gs>
+            <a:gs pos="50000">
+              <a:schemeClr val="phClr">
+                <a:satMod val="110000"/>
+                <a:lumMod val="100000"/>
+                <a:shade val="100000"/>
+              </a:schemeClr>
+            </a:gs>
+            <a:gs pos="100000">
+              <a:schemeClr val="phClr">
+                <a:lumMod val="99000"/>
+                <a:satMod val="120000"/>
+                <a:shade val="78000"/>
+              </a:schemeClr>
+            </a:gs>
+          </a:gsLst>
+          <a:lin ang="5400000" scaled="0"/>
+        </a:gradFill>
+      </a:fillStyleLst>
+      <a:lnStyleLst>
+        <a:ln w="6350" cap="flat" cmpd="sng" algn="ctr">
+          <a:solidFill>
+            <a:schemeClr val="phClr"/>
+          </a:solidFill>
+          <a:prstDash val="solid"/>
+          <a:miter lim="800000"/>
+        </a:ln>
+        <a:ln w="12700" cap="flat" cmpd="sng" algn="ctr">
+          <a:solidFill>
+            <a:schemeClr val="phClr"/>
+          </a:solidFill>
+          <a:prstDash val="solid"/>
+          <a:miter lim="800000"/>
+        </a:ln>
+        <a:ln w="19050" cap="flat" cmpd="sng" algn="ctr">
+          <a:solidFill>
+            <a:schemeClr val="phClr"/>
+          </a:solidFill>
+          <a:prstDash val="solid"/>
+          <a:miter lim="800000"/>
+        </a:ln>
+      </a:lnStyleLst>
+      <a:effectStyleLst>
+        <a:effectStyle>
+          <a:effectLst/>
+        </a:effectStyle>
+        <a:effectStyle>
+          <a:effectLst/>
+        </a:effectStyle>
+        <a:effectStyle>
+          <a:effectLst>
+            <a:outerShdw blurRad="57150" dist="19050" dir="5400000" algn="ctr" rotWithShape="0">
+              <a:srgbClr val="000000">
+                <a:alpha val="63000"/>
+              </a:srgbClr>
+            </a:outerShdw>
+          </a:effectLst>
+        </a:effectStyle>
+      </a:effectStyleLst>
+      <a:bgFillStyleLst>
+        <a:solidFill>
+          <a:schemeClr val="phClr"/>
+        </a:solidFill>
+        <a:solidFill>
+          <a:schemeClr val="phClr">
+            <a:tint val="95000"/>
+            <a:satMod val="170000"/>
+          </a:schemeClr>
+        </a:solidFill>
+        <a:gradFill rotWithShape="1">
+          <a:gsLst>
+            <a:gs pos="0">
+              <a:schemeClr val="phClr">
+                <a:tint val="93000"/>
+                <a:satMod val="150000"/>
+                <a:shade val="98000"/>
+                <a:lumMod val="102000"/>
+              </a:schemeClr>
+            </a:gs>
+            <a:gs pos="50000">
+              <a:schemeClr val="phClr">
+                <a:tint val="98000"/>
+                <a:satMod val="130000"/>
+                <a:shade val="90000"/>
+                <a:lumMod val="103000"/>
+              </a:schemeClr>
+            </a:gs>
+            <a:gs pos="100000">
+              <a:schemeClr val="phClr">
+                <a:shade val="63000"/>
+                <a:satMod val="120000"/>
+              </a:schemeClr>
+            </a:gs>
+          </a:gsLst>
+          <a:lin ang="5400000" scaled="0"/>
+        </a:gradFill>
+      </a:bgFillStyleLst>
+    </a:fmtScheme>
+  </a:themeElements>
+  <a:objectDefaults/>
+  <a:extraClrSchemeLst/>
+  <a:extLst>
+    <a:ext uri="{05A4C25C-085E-4340-85A3-A5531E510DB2}">
+      <thm15:themeFamily xmlns:thm15="http://schemas.microsoft.com/office/thememl/2012/main" name="Office Theme" id="{62F939B6-93AF-4DB8-9C6B-D6C7DFDC589F}" vid="{4A3C46E8-61CC-4603-A589-7422A47A8E4A}"/>
+    </a:ext>
+  </a:extLst>
+</a:theme>
 </file>
--- a/Datenschutz_Netzwerksicherheit.pptx
+++ b/Datenschutz_Netzwerksicherheit.pptx
@@ -211,7 +211,7 @@
           <a:p>
             <a:fld id="{53DFD0AA-A6B5-4C1E-B250-ADB3FDC6F813}" type="datetimeFigureOut">
               <a:rPr lang="de-DE" smtClean="0"/>
-              <a:t>07.12.2020</a:t>
+              <a:t>08.12.2020</a:t>
             </a:fld>
             <a:endParaRPr lang="de-DE"/>
           </a:p>
@@ -911,7 +911,7 @@
           <a:p>
             <a:fld id="{0AC170D1-EEDB-462F-BEF4-32FE44CE00CB}" type="datetime1">
               <a:rPr lang="de-DE" smtClean="0"/>
-              <a:t>07.12.2020</a:t>
+              <a:t>08.12.2020</a:t>
             </a:fld>
             <a:endParaRPr lang="de-DE"/>
           </a:p>
@@ -1084,7 +1084,7 @@
           <a:p>
             <a:fld id="{C043991F-7222-461D-8705-5E684042DE77}" type="datetime1">
               <a:rPr lang="de-DE" smtClean="0"/>
-              <a:t>07.12.2020</a:t>
+              <a:t>08.12.2020</a:t>
             </a:fld>
             <a:endParaRPr lang="de-DE"/>
           </a:p>
@@ -1310,7 +1310,7 @@
           <a:p>
             <a:fld id="{DE02B6F7-D8E2-447A-BD4D-7BAA976884E3}" type="datetime1">
               <a:rPr lang="de-DE" smtClean="0"/>
-              <a:t>07.12.2020</a:t>
+              <a:t>08.12.2020</a:t>
             </a:fld>
             <a:endParaRPr lang="de-DE"/>
           </a:p>
@@ -1493,7 +1493,7 @@
           <a:p>
             <a:fld id="{A89722CC-D3C7-4805-AFE2-7CFE2C6AE15A}" type="datetime1">
               <a:rPr lang="de-DE" smtClean="0"/>
-              <a:t>07.12.2020</a:t>
+              <a:t>08.12.2020</a:t>
             </a:fld>
             <a:endParaRPr lang="de-DE"/>
           </a:p>
@@ -1802,7 +1802,7 @@
           <a:p>
             <a:fld id="{6417A4C9-CAE9-49C2-9C30-B29457B63098}" type="datetime1">
               <a:rPr lang="de-DE" smtClean="0"/>
-              <a:t>07.12.2020</a:t>
+              <a:t>08.12.2020</a:t>
             </a:fld>
             <a:endParaRPr lang="de-DE"/>
           </a:p>
@@ -2109,7 +2109,7 @@
           <a:p>
             <a:fld id="{45B7AAB2-9DBF-4B7D-B525-172A1B4723D7}" type="datetime1">
               <a:rPr lang="de-DE" smtClean="0"/>
-              <a:t>07.12.2020</a:t>
+              <a:t>08.12.2020</a:t>
             </a:fld>
             <a:endParaRPr lang="de-DE"/>
           </a:p>
@@ -2534,7 +2534,7 @@
           <a:p>
             <a:fld id="{79D3A2DD-60F9-4D11-AA3B-27E95C31C303}" type="datetime1">
               <a:rPr lang="de-DE" smtClean="0"/>
-              <a:t>07.12.2020</a:t>
+              <a:t>08.12.2020</a:t>
             </a:fld>
             <a:endParaRPr lang="de-DE"/>
           </a:p>
@@ -2655,7 +2655,7 @@
           <a:p>
             <a:fld id="{C2E4148E-0989-428A-B893-80E7DE8254DD}" type="datetime1">
               <a:rPr lang="de-DE" smtClean="0"/>
-              <a:t>07.12.2020</a:t>
+              <a:t>08.12.2020</a:t>
             </a:fld>
             <a:endParaRPr lang="de-DE"/>
           </a:p>
@@ -2753,7 +2753,7 @@
           <a:p>
             <a:fld id="{8F2E1892-E463-4E86-A33B-FB614ACAFF06}" type="datetime1">
               <a:rPr lang="de-DE" smtClean="0"/>
-              <a:t>07.12.2020</a:t>
+              <a:t>08.12.2020</a:t>
             </a:fld>
             <a:endParaRPr lang="de-DE"/>
           </a:p>
@@ -3029,7 +3029,7 @@
           <a:p>
             <a:fld id="{7178C145-9906-42EE-880B-A48C3437FD4C}" type="datetime1">
               <a:rPr lang="de-DE" smtClean="0"/>
-              <a:t>07.12.2020</a:t>
+              <a:t>08.12.2020</a:t>
             </a:fld>
             <a:endParaRPr lang="de-DE"/>
           </a:p>
@@ -3297,7 +3297,7 @@
           <a:p>
             <a:fld id="{DB08DEEE-35C2-45EC-868B-127F1DFCD5E0}" type="datetime1">
               <a:rPr lang="de-DE" smtClean="0"/>
-              <a:t>07.12.2020</a:t>
+              <a:t>08.12.2020</a:t>
             </a:fld>
             <a:endParaRPr lang="de-DE"/>
           </a:p>
@@ -3549,7 +3549,7 @@
           <a:p>
             <a:fld id="{6FED8DD7-3DDE-495A-A074-00677648BF9F}" type="datetime1">
               <a:rPr lang="de-DE" smtClean="0"/>
-              <a:t>07.12.2020</a:t>
+              <a:t>08.12.2020</a:t>
             </a:fld>
             <a:endParaRPr lang="de-DE"/>
           </a:p>
